--- a/Trabalho 2B Computacao Paralela.pptx
+++ b/Trabalho 2B Computacao Paralela.pptx
@@ -14,8 +14,13 @@
     <p:sldId id="354" r:id="rId8"/>
     <p:sldId id="355" r:id="rId9"/>
     <p:sldId id="356" r:id="rId10"/>
-    <p:sldId id="338" r:id="rId11"/>
-    <p:sldId id="348" r:id="rId12"/>
+    <p:sldId id="360" r:id="rId11"/>
+    <p:sldId id="361" r:id="rId12"/>
+    <p:sldId id="357" r:id="rId13"/>
+    <p:sldId id="358" r:id="rId14"/>
+    <p:sldId id="359" r:id="rId15"/>
+    <p:sldId id="338" r:id="rId16"/>
+    <p:sldId id="348" r:id="rId17"/>
   </p:sldIdLst>
   <p:sldSz cx="12192000" cy="6858000"/>
   <p:notesSz cx="6858000" cy="9144000"/>
@@ -124,7 +129,7 @@
 
 <file path=ppt/commentAuthors.xml><?xml version="1.0" encoding="utf-8"?>
 <p:cmAuthorLst xmlns:a="http://schemas.openxmlformats.org/drawingml/2006/main" xmlns:r="http://schemas.openxmlformats.org/officeDocument/2006/relationships" xmlns:p="http://schemas.openxmlformats.org/presentationml/2006/main">
-  <p:cmAuthor id="1" name="Roberto Hoo" initials="RH" lastIdx="1" clrIdx="0">
+  <p:cmAuthor id="1" name="Roberto Hoo" initials="RH" lastIdx="2" clrIdx="0">
     <p:extLst>
       <p:ext uri="{19B8F6BF-5375-455C-9EA6-DF929625EA0E}">
         <p15:presenceInfo xmlns:p15="http://schemas.microsoft.com/office/powerpoint/2012/main" userId="Roberto Hoo" providerId="None"/>
@@ -132,20 +137,6 @@
     </p:extLst>
   </p:cmAuthor>
 </p:cmAuthorLst>
-</file>
-
-<file path=ppt/comments/comment1.xml><?xml version="1.0" encoding="utf-8"?>
-<p:cmLst xmlns:a="http://schemas.openxmlformats.org/drawingml/2006/main" xmlns:r="http://schemas.openxmlformats.org/officeDocument/2006/relationships" xmlns:p="http://schemas.openxmlformats.org/presentationml/2006/main">
-  <p:cm authorId="1" dt="2021-05-16T12:44:05.215" idx="1">
-    <p:pos x="10" y="10"/>
-    <p:text/>
-    <p:extLst>
-      <p:ext uri="{C676402C-5697-4E1C-873F-D02D1690AC5C}">
-        <p15:threadingInfo xmlns:p15="http://schemas.microsoft.com/office/powerpoint/2012/main" timeZoneBias="180"/>
-      </p:ext>
-    </p:extLst>
-  </p:cm>
-</p:cmLst>
 </file>
 
 <file path=ppt/slideLayouts/slideLayout1.xml><?xml version="1.0" encoding="utf-8"?>
@@ -295,7 +286,7 @@
           <a:p>
             <a:fld id="{86D4ECBE-1F4A-4A39-9D46-B3620D2F28B0}" type="datetimeFigureOut">
               <a:rPr lang="pt-BR" smtClean="0"/>
-              <a:t>16/05/2021</a:t>
+              <a:t>17/05/2021</a:t>
             </a:fld>
             <a:endParaRPr lang="pt-BR"/>
           </a:p>
@@ -493,7 +484,7 @@
           <a:p>
             <a:fld id="{86D4ECBE-1F4A-4A39-9D46-B3620D2F28B0}" type="datetimeFigureOut">
               <a:rPr lang="pt-BR" smtClean="0"/>
-              <a:t>16/05/2021</a:t>
+              <a:t>17/05/2021</a:t>
             </a:fld>
             <a:endParaRPr lang="pt-BR"/>
           </a:p>
@@ -701,7 +692,7 @@
           <a:p>
             <a:fld id="{86D4ECBE-1F4A-4A39-9D46-B3620D2F28B0}" type="datetimeFigureOut">
               <a:rPr lang="pt-BR" smtClean="0"/>
-              <a:t>16/05/2021</a:t>
+              <a:t>17/05/2021</a:t>
             </a:fld>
             <a:endParaRPr lang="pt-BR"/>
           </a:p>
@@ -899,7 +890,7 @@
           <a:p>
             <a:fld id="{86D4ECBE-1F4A-4A39-9D46-B3620D2F28B0}" type="datetimeFigureOut">
               <a:rPr lang="pt-BR" smtClean="0"/>
-              <a:t>16/05/2021</a:t>
+              <a:t>17/05/2021</a:t>
             </a:fld>
             <a:endParaRPr lang="pt-BR"/>
           </a:p>
@@ -1174,7 +1165,7 @@
           <a:p>
             <a:fld id="{86D4ECBE-1F4A-4A39-9D46-B3620D2F28B0}" type="datetimeFigureOut">
               <a:rPr lang="pt-BR" smtClean="0"/>
-              <a:t>16/05/2021</a:t>
+              <a:t>17/05/2021</a:t>
             </a:fld>
             <a:endParaRPr lang="pt-BR"/>
           </a:p>
@@ -1439,7 +1430,7 @@
           <a:p>
             <a:fld id="{86D4ECBE-1F4A-4A39-9D46-B3620D2F28B0}" type="datetimeFigureOut">
               <a:rPr lang="pt-BR" smtClean="0"/>
-              <a:t>16/05/2021</a:t>
+              <a:t>17/05/2021</a:t>
             </a:fld>
             <a:endParaRPr lang="pt-BR"/>
           </a:p>
@@ -1851,7 +1842,7 @@
           <a:p>
             <a:fld id="{86D4ECBE-1F4A-4A39-9D46-B3620D2F28B0}" type="datetimeFigureOut">
               <a:rPr lang="pt-BR" smtClean="0"/>
-              <a:t>16/05/2021</a:t>
+              <a:t>17/05/2021</a:t>
             </a:fld>
             <a:endParaRPr lang="pt-BR"/>
           </a:p>
@@ -1992,7 +1983,7 @@
           <a:p>
             <a:fld id="{86D4ECBE-1F4A-4A39-9D46-B3620D2F28B0}" type="datetimeFigureOut">
               <a:rPr lang="pt-BR" smtClean="0"/>
-              <a:t>16/05/2021</a:t>
+              <a:t>17/05/2021</a:t>
             </a:fld>
             <a:endParaRPr lang="pt-BR"/>
           </a:p>
@@ -2105,7 +2096,7 @@
           <a:p>
             <a:fld id="{86D4ECBE-1F4A-4A39-9D46-B3620D2F28B0}" type="datetimeFigureOut">
               <a:rPr lang="pt-BR" smtClean="0"/>
-              <a:t>16/05/2021</a:t>
+              <a:t>17/05/2021</a:t>
             </a:fld>
             <a:endParaRPr lang="pt-BR"/>
           </a:p>
@@ -2416,7 +2407,7 @@
           <a:p>
             <a:fld id="{86D4ECBE-1F4A-4A39-9D46-B3620D2F28B0}" type="datetimeFigureOut">
               <a:rPr lang="pt-BR" smtClean="0"/>
-              <a:t>16/05/2021</a:t>
+              <a:t>17/05/2021</a:t>
             </a:fld>
             <a:endParaRPr lang="pt-BR"/>
           </a:p>
@@ -2704,7 +2695,7 @@
           <a:p>
             <a:fld id="{86D4ECBE-1F4A-4A39-9D46-B3620D2F28B0}" type="datetimeFigureOut">
               <a:rPr lang="pt-BR" smtClean="0"/>
-              <a:t>16/05/2021</a:t>
+              <a:t>17/05/2021</a:t>
             </a:fld>
             <a:endParaRPr lang="pt-BR"/>
           </a:p>
@@ -2945,7 +2936,7 @@
           <a:p>
             <a:fld id="{86D4ECBE-1F4A-4A39-9D46-B3620D2F28B0}" type="datetimeFigureOut">
               <a:rPr lang="pt-BR" smtClean="0"/>
-              <a:t>16/05/2021</a:t>
+              <a:t>17/05/2021</a:t>
             </a:fld>
             <a:endParaRPr lang="pt-BR"/>
           </a:p>
@@ -3527,6 +3518,2442 @@
       </p:grpSpPr>
       <p:sp>
         <p:nvSpPr>
+          <p:cNvPr id="2" name="Title 1"/>
+          <p:cNvSpPr>
+            <a:spLocks noGrp="1"/>
+          </p:cNvSpPr>
+          <p:nvPr>
+            <p:ph type="title"/>
+          </p:nvPr>
+        </p:nvSpPr>
+        <p:spPr>
+          <a:xfrm>
+            <a:off x="0" y="1"/>
+            <a:ext cx="12192000" cy="849085"/>
+          </a:xfrm>
+        </p:spPr>
+        <p:style>
+          <a:lnRef idx="3">
+            <a:schemeClr val="lt1"/>
+          </a:lnRef>
+          <a:fillRef idx="1">
+            <a:schemeClr val="accent6"/>
+          </a:fillRef>
+          <a:effectRef idx="1">
+            <a:schemeClr val="accent6"/>
+          </a:effectRef>
+          <a:fontRef idx="minor">
+            <a:schemeClr val="lt1"/>
+          </a:fontRef>
+        </p:style>
+        <p:txBody>
+          <a:bodyPr/>
+          <a:lstStyle/>
+          <a:p>
+            <a:pPr algn="ctr"/>
+            <a:r>
+              <a:rPr lang="pt-BR" dirty="0">
+                <a:solidFill>
+                  <a:srgbClr val="FFC000"/>
+                </a:solidFill>
+                <a:latin typeface="Calibri" panose="020F0502020204030204"/>
+                <a:ea typeface="+mn-ea"/>
+                <a:cs typeface="+mn-cs"/>
+              </a:rPr>
+              <a:t>Lembrando método de Jacobi</a:t>
+            </a:r>
+            <a:endParaRPr lang="pt-BR" dirty="0"/>
+          </a:p>
+        </p:txBody>
+      </p:sp>
+      <mc:AlternateContent xmlns:mc="http://schemas.openxmlformats.org/markup-compatibility/2006" xmlns:a14="http://schemas.microsoft.com/office/drawing/2010/main">
+        <mc:Choice Requires="a14">
+          <p:sp>
+            <p:nvSpPr>
+              <p:cNvPr id="3" name="Content Placeholder 2"/>
+              <p:cNvSpPr>
+                <a:spLocks noGrp="1"/>
+              </p:cNvSpPr>
+              <p:nvPr>
+                <p:ph idx="1"/>
+              </p:nvPr>
+            </p:nvSpPr>
+            <p:spPr>
+              <a:xfrm>
+                <a:off x="838200" y="1410790"/>
+                <a:ext cx="10515600" cy="5447210"/>
+              </a:xfrm>
+            </p:spPr>
+            <p:txBody>
+              <a:bodyPr>
+                <a:normAutofit/>
+              </a:bodyPr>
+              <a:lstStyle/>
+              <a:p>
+                <a:pPr marL="0" indent="0">
+                  <a:buNone/>
+                </a:pPr>
+                <a:r>
+                  <a:rPr lang="pt-BR" dirty="0" smtClean="0"/>
+                  <a:t>Por exemplo , em uma matriz 3x3 temos</a:t>
+                </a:r>
+              </a:p>
+              <a:p>
+                <a:pPr marL="0" indent="0">
+                  <a:buNone/>
+                </a:pPr>
+                <a:endParaRPr lang="pt-BR" dirty="0" smtClean="0"/>
+              </a:p>
+              <a:p>
+                <a:pPr marL="0" indent="0">
+                  <a:lnSpc>
+                    <a:spcPct val="100000"/>
+                  </a:lnSpc>
+                  <a:buNone/>
+                </a:pPr>
+                <a:endParaRPr lang="pt-BR" dirty="0" smtClean="0"/>
+              </a:p>
+              <a:p>
+                <a:pPr marL="0" indent="0">
+                  <a:lnSpc>
+                    <a:spcPct val="100000"/>
+                  </a:lnSpc>
+                  <a:buNone/>
+                </a:pPr>
+                <a14:m>
+                  <m:oMathPara xmlns:m="http://schemas.openxmlformats.org/officeDocument/2006/math">
+                    <m:oMathParaPr>
+                      <m:jc m:val="centerGroup"/>
+                    </m:oMathParaPr>
+                    <m:oMath xmlns:m="http://schemas.openxmlformats.org/officeDocument/2006/math">
+                      <m:r>
+                        <a:rPr lang="pt-BR" b="0" i="1" smtClean="0">
+                          <a:latin typeface="Cambria Math" panose="02040503050406030204" pitchFamily="18" charset="0"/>
+                        </a:rPr>
+                        <m:t>𝐴𝑥</m:t>
+                      </m:r>
+                      <m:r>
+                        <a:rPr lang="pt-BR" b="0" i="1" smtClean="0">
+                          <a:latin typeface="Cambria Math" panose="02040503050406030204" pitchFamily="18" charset="0"/>
+                        </a:rPr>
+                        <m:t>=</m:t>
+                      </m:r>
+                      <m:r>
+                        <a:rPr lang="pt-BR" b="0" i="1" smtClean="0">
+                          <a:latin typeface="Cambria Math" panose="02040503050406030204" pitchFamily="18" charset="0"/>
+                        </a:rPr>
+                        <m:t>𝑏</m:t>
+                      </m:r>
+                      <m:r>
+                        <a:rPr lang="pt-BR" b="0" i="1" smtClean="0">
+                          <a:latin typeface="Cambria Math" panose="02040503050406030204" pitchFamily="18" charset="0"/>
+                        </a:rPr>
+                        <m:t>=</m:t>
+                      </m:r>
+                      <m:d>
+                        <m:dPr>
+                          <m:begChr m:val="{"/>
+                          <m:endChr m:val=""/>
+                          <m:ctrlPr>
+                            <a:rPr lang="pt-BR" b="0" i="1" smtClean="0">
+                              <a:latin typeface="Cambria Math" panose="02040503050406030204" pitchFamily="18" charset="0"/>
+                            </a:rPr>
+                          </m:ctrlPr>
+                        </m:dPr>
+                        <m:e>
+                          <m:eqArr>
+                            <m:eqArrPr>
+                              <m:ctrlPr>
+                                <a:rPr lang="pt-BR" b="0" i="1" smtClean="0">
+                                  <a:latin typeface="Cambria Math" panose="02040503050406030204" pitchFamily="18" charset="0"/>
+                                </a:rPr>
+                              </m:ctrlPr>
+                            </m:eqArrPr>
+                            <m:e>
+                              <m:sSub>
+                                <m:sSubPr>
+                                  <m:ctrlPr>
+                                    <a:rPr lang="pt-BR" i="1">
+                                      <a:latin typeface="Cambria Math" panose="02040503050406030204" pitchFamily="18" charset="0"/>
+                                    </a:rPr>
+                                  </m:ctrlPr>
+                                </m:sSubPr>
+                                <m:e>
+                                  <m:r>
+                                    <a:rPr lang="pt-BR" i="1">
+                                      <a:latin typeface="Cambria Math" panose="02040503050406030204" pitchFamily="18" charset="0"/>
+                                    </a:rPr>
+                                    <m:t>𝑎</m:t>
+                                  </m:r>
+                                </m:e>
+                                <m:sub>
+                                  <m:r>
+                                    <a:rPr lang="pt-BR" i="1">
+                                      <a:latin typeface="Cambria Math" panose="02040503050406030204" pitchFamily="18" charset="0"/>
+                                    </a:rPr>
+                                    <m:t>11</m:t>
+                                  </m:r>
+                                </m:sub>
+                              </m:sSub>
+                              <m:sSubSup>
+                                <m:sSubSupPr>
+                                  <m:ctrlPr>
+                                    <a:rPr lang="pt-BR" b="1" i="1" smtClean="0">
+                                      <a:solidFill>
+                                        <a:srgbClr val="0070C0"/>
+                                      </a:solidFill>
+                                      <a:latin typeface="Cambria Math" panose="02040503050406030204" pitchFamily="18" charset="0"/>
+                                    </a:rPr>
+                                  </m:ctrlPr>
+                                </m:sSubSupPr>
+                                <m:e>
+                                  <m:r>
+                                    <a:rPr lang="pt-BR" b="1" i="1">
+                                      <a:solidFill>
+                                        <a:srgbClr val="0070C0"/>
+                                      </a:solidFill>
+                                      <a:latin typeface="Cambria Math" panose="02040503050406030204" pitchFamily="18" charset="0"/>
+                                    </a:rPr>
+                                    <m:t>𝒙</m:t>
+                                  </m:r>
+                                </m:e>
+                                <m:sub>
+                                  <m:r>
+                                    <a:rPr lang="pt-BR" b="1" i="1">
+                                      <a:solidFill>
+                                        <a:srgbClr val="0070C0"/>
+                                      </a:solidFill>
+                                      <a:latin typeface="Cambria Math" panose="02040503050406030204" pitchFamily="18" charset="0"/>
+                                    </a:rPr>
+                                    <m:t>𝟏</m:t>
+                                  </m:r>
+                                </m:sub>
+                                <m:sup>
+                                  <m:r>
+                                    <a:rPr lang="pt-BR" b="1" i="1">
+                                      <a:solidFill>
+                                        <a:srgbClr val="0070C0"/>
+                                      </a:solidFill>
+                                      <a:latin typeface="Cambria Math" panose="02040503050406030204" pitchFamily="18" charset="0"/>
+                                    </a:rPr>
+                                    <m:t>𝒋</m:t>
+                                  </m:r>
+                                  <m:r>
+                                    <a:rPr lang="pt-BR" b="1" i="1">
+                                      <a:solidFill>
+                                        <a:srgbClr val="0070C0"/>
+                                      </a:solidFill>
+                                      <a:latin typeface="Cambria Math" panose="02040503050406030204" pitchFamily="18" charset="0"/>
+                                    </a:rPr>
+                                    <m:t>+</m:t>
+                                  </m:r>
+                                  <m:r>
+                                    <a:rPr lang="pt-BR" b="1" i="1">
+                                      <a:solidFill>
+                                        <a:srgbClr val="0070C0"/>
+                                      </a:solidFill>
+                                      <a:latin typeface="Cambria Math" panose="02040503050406030204" pitchFamily="18" charset="0"/>
+                                    </a:rPr>
+                                    <m:t>𝟏</m:t>
+                                  </m:r>
+                                </m:sup>
+                              </m:sSubSup>
+                              <m:r>
+                                <a:rPr lang="pt-BR" i="1">
+                                  <a:latin typeface="Cambria Math" panose="02040503050406030204" pitchFamily="18" charset="0"/>
+                                </a:rPr>
+                                <m:t>+</m:t>
+                              </m:r>
+                              <m:sSub>
+                                <m:sSubPr>
+                                  <m:ctrlPr>
+                                    <a:rPr lang="pt-BR" i="1">
+                                      <a:latin typeface="Cambria Math" panose="02040503050406030204" pitchFamily="18" charset="0"/>
+                                    </a:rPr>
+                                  </m:ctrlPr>
+                                </m:sSubPr>
+                                <m:e>
+                                  <m:r>
+                                    <a:rPr lang="pt-BR" i="1">
+                                      <a:latin typeface="Cambria Math" panose="02040503050406030204" pitchFamily="18" charset="0"/>
+                                    </a:rPr>
+                                    <m:t>𝑎</m:t>
+                                  </m:r>
+                                </m:e>
+                                <m:sub>
+                                  <m:r>
+                                    <a:rPr lang="pt-BR" i="1">
+                                      <a:latin typeface="Cambria Math" panose="02040503050406030204" pitchFamily="18" charset="0"/>
+                                    </a:rPr>
+                                    <m:t>12</m:t>
+                                  </m:r>
+                                </m:sub>
+                              </m:sSub>
+                              <m:sSubSup>
+                                <m:sSubSupPr>
+                                  <m:ctrlPr>
+                                    <a:rPr lang="pt-BR" i="1">
+                                      <a:latin typeface="Cambria Math" panose="02040503050406030204" pitchFamily="18" charset="0"/>
+                                    </a:rPr>
+                                  </m:ctrlPr>
+                                </m:sSubSupPr>
+                                <m:e>
+                                  <m:r>
+                                    <a:rPr lang="pt-BR" i="1">
+                                      <a:latin typeface="Cambria Math" panose="02040503050406030204" pitchFamily="18" charset="0"/>
+                                    </a:rPr>
+                                    <m:t>𝑥</m:t>
+                                  </m:r>
+                                </m:e>
+                                <m:sub>
+                                  <m:r>
+                                    <a:rPr lang="pt-BR" i="1">
+                                      <a:latin typeface="Cambria Math" panose="02040503050406030204" pitchFamily="18" charset="0"/>
+                                    </a:rPr>
+                                    <m:t>2</m:t>
+                                  </m:r>
+                                </m:sub>
+                                <m:sup>
+                                  <m:r>
+                                    <a:rPr lang="pt-BR" i="1">
+                                      <a:latin typeface="Cambria Math" panose="02040503050406030204" pitchFamily="18" charset="0"/>
+                                    </a:rPr>
+                                    <m:t>𝑗</m:t>
+                                  </m:r>
+                                </m:sup>
+                              </m:sSubSup>
+                              <m:r>
+                                <a:rPr lang="pt-BR" i="1">
+                                  <a:latin typeface="Cambria Math" panose="02040503050406030204" pitchFamily="18" charset="0"/>
+                                </a:rPr>
+                                <m:t>+</m:t>
+                              </m:r>
+                              <m:sSub>
+                                <m:sSubPr>
+                                  <m:ctrlPr>
+                                    <a:rPr lang="pt-BR" i="1">
+                                      <a:latin typeface="Cambria Math" panose="02040503050406030204" pitchFamily="18" charset="0"/>
+                                    </a:rPr>
+                                  </m:ctrlPr>
+                                </m:sSubPr>
+                                <m:e>
+                                  <m:r>
+                                    <a:rPr lang="pt-BR" i="1">
+                                      <a:latin typeface="Cambria Math" panose="02040503050406030204" pitchFamily="18" charset="0"/>
+                                    </a:rPr>
+                                    <m:t>𝑎</m:t>
+                                  </m:r>
+                                </m:e>
+                                <m:sub>
+                                  <m:r>
+                                    <a:rPr lang="pt-BR" i="1">
+                                      <a:latin typeface="Cambria Math" panose="02040503050406030204" pitchFamily="18" charset="0"/>
+                                    </a:rPr>
+                                    <m:t>13</m:t>
+                                  </m:r>
+                                </m:sub>
+                              </m:sSub>
+                              <m:sSubSup>
+                                <m:sSubSupPr>
+                                  <m:ctrlPr>
+                                    <a:rPr lang="pt-BR" i="1">
+                                      <a:latin typeface="Cambria Math" panose="02040503050406030204" pitchFamily="18" charset="0"/>
+                                    </a:rPr>
+                                  </m:ctrlPr>
+                                </m:sSubSupPr>
+                                <m:e>
+                                  <m:r>
+                                    <a:rPr lang="pt-BR" i="1">
+                                      <a:latin typeface="Cambria Math" panose="02040503050406030204" pitchFamily="18" charset="0"/>
+                                    </a:rPr>
+                                    <m:t>𝑥</m:t>
+                                  </m:r>
+                                </m:e>
+                                <m:sub>
+                                  <m:r>
+                                    <a:rPr lang="pt-BR" i="1">
+                                      <a:latin typeface="Cambria Math" panose="02040503050406030204" pitchFamily="18" charset="0"/>
+                                    </a:rPr>
+                                    <m:t>3</m:t>
+                                  </m:r>
+                                </m:sub>
+                                <m:sup>
+                                  <m:r>
+                                    <a:rPr lang="pt-BR" i="1">
+                                      <a:latin typeface="Cambria Math" panose="02040503050406030204" pitchFamily="18" charset="0"/>
+                                    </a:rPr>
+                                    <m:t>𝑗</m:t>
+                                  </m:r>
+                                </m:sup>
+                              </m:sSubSup>
+                              <m:r>
+                                <a:rPr lang="pt-BR" i="1">
+                                  <a:latin typeface="Cambria Math" panose="02040503050406030204" pitchFamily="18" charset="0"/>
+                                </a:rPr>
+                                <m:t>=</m:t>
+                              </m:r>
+                              <m:sSub>
+                                <m:sSubPr>
+                                  <m:ctrlPr>
+                                    <a:rPr lang="pt-BR" i="1">
+                                      <a:latin typeface="Cambria Math" panose="02040503050406030204" pitchFamily="18" charset="0"/>
+                                    </a:rPr>
+                                  </m:ctrlPr>
+                                </m:sSubPr>
+                                <m:e>
+                                  <m:r>
+                                    <a:rPr lang="pt-BR" i="1">
+                                      <a:latin typeface="Cambria Math" panose="02040503050406030204" pitchFamily="18" charset="0"/>
+                                    </a:rPr>
+                                    <m:t>𝑏</m:t>
+                                  </m:r>
+                                </m:e>
+                                <m:sub>
+                                  <m:r>
+                                    <a:rPr lang="pt-BR" b="0" i="1" smtClean="0">
+                                      <a:latin typeface="Cambria Math" panose="02040503050406030204" pitchFamily="18" charset="0"/>
+                                    </a:rPr>
+                                    <m:t>1</m:t>
+                                  </m:r>
+                                </m:sub>
+                              </m:sSub>
+                            </m:e>
+                            <m:e/>
+                            <m:e>
+                              <m:sSub>
+                                <m:sSubPr>
+                                  <m:ctrlPr>
+                                    <a:rPr lang="pt-BR" i="1">
+                                      <a:latin typeface="Cambria Math" panose="02040503050406030204" pitchFamily="18" charset="0"/>
+                                    </a:rPr>
+                                  </m:ctrlPr>
+                                </m:sSubPr>
+                                <m:e>
+                                  <m:r>
+                                    <a:rPr lang="pt-BR" i="1">
+                                      <a:latin typeface="Cambria Math" panose="02040503050406030204" pitchFamily="18" charset="0"/>
+                                    </a:rPr>
+                                    <m:t>𝑎</m:t>
+                                  </m:r>
+                                </m:e>
+                                <m:sub>
+                                  <m:r>
+                                    <a:rPr lang="pt-BR" b="0" i="1" smtClean="0">
+                                      <a:latin typeface="Cambria Math" panose="02040503050406030204" pitchFamily="18" charset="0"/>
+                                    </a:rPr>
+                                    <m:t>2</m:t>
+                                  </m:r>
+                                  <m:r>
+                                    <a:rPr lang="pt-BR" i="1">
+                                      <a:latin typeface="Cambria Math" panose="02040503050406030204" pitchFamily="18" charset="0"/>
+                                    </a:rPr>
+                                    <m:t>1</m:t>
+                                  </m:r>
+                                </m:sub>
+                              </m:sSub>
+                              <m:sSubSup>
+                                <m:sSubSupPr>
+                                  <m:ctrlPr>
+                                    <a:rPr lang="pt-BR" i="1">
+                                      <a:latin typeface="Cambria Math" panose="02040503050406030204" pitchFamily="18" charset="0"/>
+                                    </a:rPr>
+                                  </m:ctrlPr>
+                                </m:sSubSupPr>
+                                <m:e>
+                                  <m:r>
+                                    <a:rPr lang="pt-BR" i="1">
+                                      <a:latin typeface="Cambria Math" panose="02040503050406030204" pitchFamily="18" charset="0"/>
+                                    </a:rPr>
+                                    <m:t>𝑥</m:t>
+                                  </m:r>
+                                </m:e>
+                                <m:sub>
+                                  <m:r>
+                                    <a:rPr lang="pt-BR" i="1">
+                                      <a:latin typeface="Cambria Math" panose="02040503050406030204" pitchFamily="18" charset="0"/>
+                                    </a:rPr>
+                                    <m:t>1</m:t>
+                                  </m:r>
+                                </m:sub>
+                                <m:sup>
+                                  <m:r>
+                                    <a:rPr lang="pt-BR" i="1">
+                                      <a:latin typeface="Cambria Math" panose="02040503050406030204" pitchFamily="18" charset="0"/>
+                                    </a:rPr>
+                                    <m:t>𝑗</m:t>
+                                  </m:r>
+                                </m:sup>
+                              </m:sSubSup>
+                              <m:r>
+                                <a:rPr lang="pt-BR" i="1">
+                                  <a:latin typeface="Cambria Math" panose="02040503050406030204" pitchFamily="18" charset="0"/>
+                                </a:rPr>
+                                <m:t>+</m:t>
+                              </m:r>
+                              <m:sSub>
+                                <m:sSubPr>
+                                  <m:ctrlPr>
+                                    <a:rPr lang="pt-BR" i="1">
+                                      <a:latin typeface="Cambria Math" panose="02040503050406030204" pitchFamily="18" charset="0"/>
+                                    </a:rPr>
+                                  </m:ctrlPr>
+                                </m:sSubPr>
+                                <m:e>
+                                  <m:r>
+                                    <a:rPr lang="pt-BR" i="1">
+                                      <a:latin typeface="Cambria Math" panose="02040503050406030204" pitchFamily="18" charset="0"/>
+                                    </a:rPr>
+                                    <m:t>𝑎</m:t>
+                                  </m:r>
+                                </m:e>
+                                <m:sub>
+                                  <m:r>
+                                    <a:rPr lang="pt-BR" b="0" i="1" smtClean="0">
+                                      <a:latin typeface="Cambria Math" panose="02040503050406030204" pitchFamily="18" charset="0"/>
+                                    </a:rPr>
+                                    <m:t>2</m:t>
+                                  </m:r>
+                                  <m:r>
+                                    <a:rPr lang="pt-BR" i="1">
+                                      <a:latin typeface="Cambria Math" panose="02040503050406030204" pitchFamily="18" charset="0"/>
+                                    </a:rPr>
+                                    <m:t>2</m:t>
+                                  </m:r>
+                                </m:sub>
+                              </m:sSub>
+                              <m:sSubSup>
+                                <m:sSubSupPr>
+                                  <m:ctrlPr>
+                                    <a:rPr lang="pt-BR" b="1" i="1" smtClean="0">
+                                      <a:solidFill>
+                                        <a:srgbClr val="0070C0"/>
+                                      </a:solidFill>
+                                      <a:latin typeface="Cambria Math" panose="02040503050406030204" pitchFamily="18" charset="0"/>
+                                    </a:rPr>
+                                  </m:ctrlPr>
+                                </m:sSubSupPr>
+                                <m:e>
+                                  <m:r>
+                                    <a:rPr lang="pt-BR" b="1" i="1">
+                                      <a:solidFill>
+                                        <a:srgbClr val="0070C0"/>
+                                      </a:solidFill>
+                                      <a:latin typeface="Cambria Math" panose="02040503050406030204" pitchFamily="18" charset="0"/>
+                                    </a:rPr>
+                                    <m:t>𝒙</m:t>
+                                  </m:r>
+                                </m:e>
+                                <m:sub>
+                                  <m:r>
+                                    <a:rPr lang="pt-BR" b="1" i="1">
+                                      <a:solidFill>
+                                        <a:srgbClr val="0070C0"/>
+                                      </a:solidFill>
+                                      <a:latin typeface="Cambria Math" panose="02040503050406030204" pitchFamily="18" charset="0"/>
+                                    </a:rPr>
+                                    <m:t>𝟐</m:t>
+                                  </m:r>
+                                </m:sub>
+                                <m:sup>
+                                  <m:r>
+                                    <a:rPr lang="pt-BR" b="1" i="1">
+                                      <a:solidFill>
+                                        <a:srgbClr val="0070C0"/>
+                                      </a:solidFill>
+                                      <a:latin typeface="Cambria Math" panose="02040503050406030204" pitchFamily="18" charset="0"/>
+                                    </a:rPr>
+                                    <m:t>𝒋</m:t>
+                                  </m:r>
+                                  <m:r>
+                                    <a:rPr lang="pt-BR" b="1" i="1" smtClean="0">
+                                      <a:solidFill>
+                                        <a:srgbClr val="0070C0"/>
+                                      </a:solidFill>
+                                      <a:latin typeface="Cambria Math" panose="02040503050406030204" pitchFamily="18" charset="0"/>
+                                    </a:rPr>
+                                    <m:t>+</m:t>
+                                  </m:r>
+                                  <m:r>
+                                    <a:rPr lang="pt-BR" b="1" i="1" smtClean="0">
+                                      <a:solidFill>
+                                        <a:srgbClr val="0070C0"/>
+                                      </a:solidFill>
+                                      <a:latin typeface="Cambria Math" panose="02040503050406030204" pitchFamily="18" charset="0"/>
+                                    </a:rPr>
+                                    <m:t>𝟏</m:t>
+                                  </m:r>
+                                </m:sup>
+                              </m:sSubSup>
+                              <m:r>
+                                <a:rPr lang="pt-BR" i="1">
+                                  <a:latin typeface="Cambria Math" panose="02040503050406030204" pitchFamily="18" charset="0"/>
+                                </a:rPr>
+                                <m:t>+</m:t>
+                              </m:r>
+                              <m:sSub>
+                                <m:sSubPr>
+                                  <m:ctrlPr>
+                                    <a:rPr lang="pt-BR" i="1">
+                                      <a:latin typeface="Cambria Math" panose="02040503050406030204" pitchFamily="18" charset="0"/>
+                                    </a:rPr>
+                                  </m:ctrlPr>
+                                </m:sSubPr>
+                                <m:e>
+                                  <m:r>
+                                    <a:rPr lang="pt-BR" i="1">
+                                      <a:latin typeface="Cambria Math" panose="02040503050406030204" pitchFamily="18" charset="0"/>
+                                    </a:rPr>
+                                    <m:t>𝑎</m:t>
+                                  </m:r>
+                                </m:e>
+                                <m:sub>
+                                  <m:r>
+                                    <a:rPr lang="pt-BR" b="0" i="1" smtClean="0">
+                                      <a:latin typeface="Cambria Math" panose="02040503050406030204" pitchFamily="18" charset="0"/>
+                                    </a:rPr>
+                                    <m:t>2</m:t>
+                                  </m:r>
+                                  <m:r>
+                                    <a:rPr lang="pt-BR" i="1">
+                                      <a:latin typeface="Cambria Math" panose="02040503050406030204" pitchFamily="18" charset="0"/>
+                                    </a:rPr>
+                                    <m:t>3</m:t>
+                                  </m:r>
+                                </m:sub>
+                              </m:sSub>
+                              <m:sSubSup>
+                                <m:sSubSupPr>
+                                  <m:ctrlPr>
+                                    <a:rPr lang="pt-BR" i="1">
+                                      <a:latin typeface="Cambria Math" panose="02040503050406030204" pitchFamily="18" charset="0"/>
+                                    </a:rPr>
+                                  </m:ctrlPr>
+                                </m:sSubSupPr>
+                                <m:e>
+                                  <m:r>
+                                    <a:rPr lang="pt-BR" i="1">
+                                      <a:latin typeface="Cambria Math" panose="02040503050406030204" pitchFamily="18" charset="0"/>
+                                    </a:rPr>
+                                    <m:t>𝑥</m:t>
+                                  </m:r>
+                                </m:e>
+                                <m:sub>
+                                  <m:r>
+                                    <a:rPr lang="pt-BR" i="1">
+                                      <a:latin typeface="Cambria Math" panose="02040503050406030204" pitchFamily="18" charset="0"/>
+                                    </a:rPr>
+                                    <m:t>3</m:t>
+                                  </m:r>
+                                </m:sub>
+                                <m:sup>
+                                  <m:r>
+                                    <a:rPr lang="pt-BR" i="1">
+                                      <a:latin typeface="Cambria Math" panose="02040503050406030204" pitchFamily="18" charset="0"/>
+                                    </a:rPr>
+                                    <m:t>𝑗</m:t>
+                                  </m:r>
+                                </m:sup>
+                              </m:sSubSup>
+                              <m:r>
+                                <a:rPr lang="pt-BR" i="1">
+                                  <a:latin typeface="Cambria Math" panose="02040503050406030204" pitchFamily="18" charset="0"/>
+                                </a:rPr>
+                                <m:t>=</m:t>
+                              </m:r>
+                              <m:sSub>
+                                <m:sSubPr>
+                                  <m:ctrlPr>
+                                    <a:rPr lang="pt-BR" i="1">
+                                      <a:latin typeface="Cambria Math" panose="02040503050406030204" pitchFamily="18" charset="0"/>
+                                    </a:rPr>
+                                  </m:ctrlPr>
+                                </m:sSubPr>
+                                <m:e>
+                                  <m:r>
+                                    <a:rPr lang="pt-BR" i="1">
+                                      <a:latin typeface="Cambria Math" panose="02040503050406030204" pitchFamily="18" charset="0"/>
+                                    </a:rPr>
+                                    <m:t>𝑏</m:t>
+                                  </m:r>
+                                </m:e>
+                                <m:sub>
+                                  <m:r>
+                                    <a:rPr lang="pt-BR" i="1">
+                                      <a:latin typeface="Cambria Math" panose="02040503050406030204" pitchFamily="18" charset="0"/>
+                                    </a:rPr>
+                                    <m:t>2</m:t>
+                                  </m:r>
+                                </m:sub>
+                              </m:sSub>
+                            </m:e>
+                            <m:e/>
+                            <m:e>
+                              <m:sSub>
+                                <m:sSubPr>
+                                  <m:ctrlPr>
+                                    <a:rPr lang="pt-BR" i="1">
+                                      <a:latin typeface="Cambria Math" panose="02040503050406030204" pitchFamily="18" charset="0"/>
+                                    </a:rPr>
+                                  </m:ctrlPr>
+                                </m:sSubPr>
+                                <m:e>
+                                  <m:r>
+                                    <a:rPr lang="pt-BR" i="1">
+                                      <a:latin typeface="Cambria Math" panose="02040503050406030204" pitchFamily="18" charset="0"/>
+                                    </a:rPr>
+                                    <m:t>𝑎</m:t>
+                                  </m:r>
+                                </m:e>
+                                <m:sub>
+                                  <m:r>
+                                    <a:rPr lang="pt-BR" b="0" i="1" smtClean="0">
+                                      <a:latin typeface="Cambria Math" panose="02040503050406030204" pitchFamily="18" charset="0"/>
+                                    </a:rPr>
+                                    <m:t>3</m:t>
+                                  </m:r>
+                                  <m:r>
+                                    <a:rPr lang="pt-BR" i="1">
+                                      <a:latin typeface="Cambria Math" panose="02040503050406030204" pitchFamily="18" charset="0"/>
+                                    </a:rPr>
+                                    <m:t>1</m:t>
+                                  </m:r>
+                                </m:sub>
+                              </m:sSub>
+                              <m:sSubSup>
+                                <m:sSubSupPr>
+                                  <m:ctrlPr>
+                                    <a:rPr lang="pt-BR" i="1">
+                                      <a:latin typeface="Cambria Math" panose="02040503050406030204" pitchFamily="18" charset="0"/>
+                                    </a:rPr>
+                                  </m:ctrlPr>
+                                </m:sSubSupPr>
+                                <m:e>
+                                  <m:r>
+                                    <a:rPr lang="pt-BR" i="1">
+                                      <a:latin typeface="Cambria Math" panose="02040503050406030204" pitchFamily="18" charset="0"/>
+                                    </a:rPr>
+                                    <m:t>𝑥</m:t>
+                                  </m:r>
+                                </m:e>
+                                <m:sub>
+                                  <m:r>
+                                    <a:rPr lang="pt-BR" i="1">
+                                      <a:latin typeface="Cambria Math" panose="02040503050406030204" pitchFamily="18" charset="0"/>
+                                    </a:rPr>
+                                    <m:t>1</m:t>
+                                  </m:r>
+                                </m:sub>
+                                <m:sup>
+                                  <m:r>
+                                    <a:rPr lang="pt-BR" i="1">
+                                      <a:latin typeface="Cambria Math" panose="02040503050406030204" pitchFamily="18" charset="0"/>
+                                    </a:rPr>
+                                    <m:t>𝑗</m:t>
+                                  </m:r>
+                                </m:sup>
+                              </m:sSubSup>
+                              <m:r>
+                                <a:rPr lang="pt-BR" i="1">
+                                  <a:latin typeface="Cambria Math" panose="02040503050406030204" pitchFamily="18" charset="0"/>
+                                </a:rPr>
+                                <m:t>+</m:t>
+                              </m:r>
+                              <m:sSub>
+                                <m:sSubPr>
+                                  <m:ctrlPr>
+                                    <a:rPr lang="pt-BR" i="1">
+                                      <a:latin typeface="Cambria Math" panose="02040503050406030204" pitchFamily="18" charset="0"/>
+                                    </a:rPr>
+                                  </m:ctrlPr>
+                                </m:sSubPr>
+                                <m:e>
+                                  <m:r>
+                                    <a:rPr lang="pt-BR" i="1">
+                                      <a:latin typeface="Cambria Math" panose="02040503050406030204" pitchFamily="18" charset="0"/>
+                                    </a:rPr>
+                                    <m:t>𝑎</m:t>
+                                  </m:r>
+                                </m:e>
+                                <m:sub>
+                                  <m:r>
+                                    <a:rPr lang="pt-BR" b="0" i="1" smtClean="0">
+                                      <a:latin typeface="Cambria Math" panose="02040503050406030204" pitchFamily="18" charset="0"/>
+                                    </a:rPr>
+                                    <m:t>3</m:t>
+                                  </m:r>
+                                  <m:r>
+                                    <a:rPr lang="pt-BR" i="1">
+                                      <a:latin typeface="Cambria Math" panose="02040503050406030204" pitchFamily="18" charset="0"/>
+                                    </a:rPr>
+                                    <m:t>2</m:t>
+                                  </m:r>
+                                </m:sub>
+                              </m:sSub>
+                              <m:sSubSup>
+                                <m:sSubSupPr>
+                                  <m:ctrlPr>
+                                    <a:rPr lang="pt-BR" i="1">
+                                      <a:latin typeface="Cambria Math" panose="02040503050406030204" pitchFamily="18" charset="0"/>
+                                    </a:rPr>
+                                  </m:ctrlPr>
+                                </m:sSubSupPr>
+                                <m:e>
+                                  <m:r>
+                                    <a:rPr lang="pt-BR" i="1">
+                                      <a:latin typeface="Cambria Math" panose="02040503050406030204" pitchFamily="18" charset="0"/>
+                                    </a:rPr>
+                                    <m:t>𝑥</m:t>
+                                  </m:r>
+                                </m:e>
+                                <m:sub>
+                                  <m:r>
+                                    <a:rPr lang="pt-BR" i="1">
+                                      <a:latin typeface="Cambria Math" panose="02040503050406030204" pitchFamily="18" charset="0"/>
+                                    </a:rPr>
+                                    <m:t>2</m:t>
+                                  </m:r>
+                                </m:sub>
+                                <m:sup>
+                                  <m:r>
+                                    <a:rPr lang="pt-BR" i="1">
+                                      <a:latin typeface="Cambria Math" panose="02040503050406030204" pitchFamily="18" charset="0"/>
+                                    </a:rPr>
+                                    <m:t>𝑗</m:t>
+                                  </m:r>
+                                </m:sup>
+                              </m:sSubSup>
+                              <m:r>
+                                <a:rPr lang="pt-BR" i="1">
+                                  <a:latin typeface="Cambria Math" panose="02040503050406030204" pitchFamily="18" charset="0"/>
+                                </a:rPr>
+                                <m:t>+</m:t>
+                              </m:r>
+                              <m:sSub>
+                                <m:sSubPr>
+                                  <m:ctrlPr>
+                                    <a:rPr lang="pt-BR" i="1">
+                                      <a:latin typeface="Cambria Math" panose="02040503050406030204" pitchFamily="18" charset="0"/>
+                                    </a:rPr>
+                                  </m:ctrlPr>
+                                </m:sSubPr>
+                                <m:e>
+                                  <m:r>
+                                    <a:rPr lang="pt-BR" i="1">
+                                      <a:latin typeface="Cambria Math" panose="02040503050406030204" pitchFamily="18" charset="0"/>
+                                    </a:rPr>
+                                    <m:t>𝑎</m:t>
+                                  </m:r>
+                                </m:e>
+                                <m:sub>
+                                  <m:r>
+                                    <a:rPr lang="pt-BR" b="0" i="1" smtClean="0">
+                                      <a:latin typeface="Cambria Math" panose="02040503050406030204" pitchFamily="18" charset="0"/>
+                                    </a:rPr>
+                                    <m:t>3</m:t>
+                                  </m:r>
+                                  <m:r>
+                                    <a:rPr lang="pt-BR" i="1">
+                                      <a:latin typeface="Cambria Math" panose="02040503050406030204" pitchFamily="18" charset="0"/>
+                                    </a:rPr>
+                                    <m:t>3</m:t>
+                                  </m:r>
+                                </m:sub>
+                              </m:sSub>
+                              <m:sSubSup>
+                                <m:sSubSupPr>
+                                  <m:ctrlPr>
+                                    <a:rPr lang="pt-BR" b="1" i="1" smtClean="0">
+                                      <a:solidFill>
+                                        <a:srgbClr val="0070C0"/>
+                                      </a:solidFill>
+                                      <a:latin typeface="Cambria Math" panose="02040503050406030204" pitchFamily="18" charset="0"/>
+                                    </a:rPr>
+                                  </m:ctrlPr>
+                                </m:sSubSupPr>
+                                <m:e>
+                                  <m:r>
+                                    <a:rPr lang="pt-BR" b="1" i="1">
+                                      <a:solidFill>
+                                        <a:srgbClr val="0070C0"/>
+                                      </a:solidFill>
+                                      <a:latin typeface="Cambria Math" panose="02040503050406030204" pitchFamily="18" charset="0"/>
+                                    </a:rPr>
+                                    <m:t>𝒙</m:t>
+                                  </m:r>
+                                </m:e>
+                                <m:sub>
+                                  <m:r>
+                                    <a:rPr lang="pt-BR" b="1" i="1">
+                                      <a:solidFill>
+                                        <a:srgbClr val="0070C0"/>
+                                      </a:solidFill>
+                                      <a:latin typeface="Cambria Math" panose="02040503050406030204" pitchFamily="18" charset="0"/>
+                                    </a:rPr>
+                                    <m:t>𝟑</m:t>
+                                  </m:r>
+                                </m:sub>
+                                <m:sup>
+                                  <m:r>
+                                    <a:rPr lang="pt-BR" b="1" i="1">
+                                      <a:solidFill>
+                                        <a:srgbClr val="0070C0"/>
+                                      </a:solidFill>
+                                      <a:latin typeface="Cambria Math" panose="02040503050406030204" pitchFamily="18" charset="0"/>
+                                    </a:rPr>
+                                    <m:t>𝒋</m:t>
+                                  </m:r>
+                                  <m:r>
+                                    <a:rPr lang="pt-BR" b="1" i="1" smtClean="0">
+                                      <a:solidFill>
+                                        <a:srgbClr val="0070C0"/>
+                                      </a:solidFill>
+                                      <a:latin typeface="Cambria Math" panose="02040503050406030204" pitchFamily="18" charset="0"/>
+                                    </a:rPr>
+                                    <m:t>+</m:t>
+                                  </m:r>
+                                  <m:r>
+                                    <a:rPr lang="pt-BR" b="1" i="1" smtClean="0">
+                                      <a:solidFill>
+                                        <a:srgbClr val="0070C0"/>
+                                      </a:solidFill>
+                                      <a:latin typeface="Cambria Math" panose="02040503050406030204" pitchFamily="18" charset="0"/>
+                                    </a:rPr>
+                                    <m:t>𝟏</m:t>
+                                  </m:r>
+                                </m:sup>
+                              </m:sSubSup>
+                              <m:r>
+                                <a:rPr lang="pt-BR" i="1">
+                                  <a:latin typeface="Cambria Math" panose="02040503050406030204" pitchFamily="18" charset="0"/>
+                                </a:rPr>
+                                <m:t>=</m:t>
+                              </m:r>
+                              <m:sSub>
+                                <m:sSubPr>
+                                  <m:ctrlPr>
+                                    <a:rPr lang="pt-BR" i="1">
+                                      <a:latin typeface="Cambria Math" panose="02040503050406030204" pitchFamily="18" charset="0"/>
+                                    </a:rPr>
+                                  </m:ctrlPr>
+                                </m:sSubPr>
+                                <m:e>
+                                  <m:r>
+                                    <a:rPr lang="pt-BR" i="1">
+                                      <a:latin typeface="Cambria Math" panose="02040503050406030204" pitchFamily="18" charset="0"/>
+                                    </a:rPr>
+                                    <m:t>𝑏</m:t>
+                                  </m:r>
+                                </m:e>
+                                <m:sub>
+                                  <m:r>
+                                    <a:rPr lang="pt-BR" b="0" i="1" smtClean="0">
+                                      <a:latin typeface="Cambria Math" panose="02040503050406030204" pitchFamily="18" charset="0"/>
+                                    </a:rPr>
+                                    <m:t>3</m:t>
+                                  </m:r>
+                                </m:sub>
+                              </m:sSub>
+                            </m:e>
+                          </m:eqArr>
+                        </m:e>
+                      </m:d>
+                    </m:oMath>
+                  </m:oMathPara>
+                </a14:m>
+                <a:endParaRPr lang="pt-BR" dirty="0"/>
+              </a:p>
+            </p:txBody>
+          </p:sp>
+        </mc:Choice>
+        <mc:Fallback xmlns="">
+          <p:sp>
+            <p:nvSpPr>
+              <p:cNvPr id="3" name="Content Placeholder 2"/>
+              <p:cNvSpPr>
+                <a:spLocks noGrp="1" noRot="1" noChangeAspect="1" noMove="1" noResize="1" noEditPoints="1" noAdjustHandles="1" noChangeArrowheads="1" noChangeShapeType="1" noTextEdit="1"/>
+              </p:cNvSpPr>
+              <p:nvPr>
+                <p:ph idx="1"/>
+              </p:nvPr>
+            </p:nvSpPr>
+            <p:spPr>
+              <a:xfrm>
+                <a:off x="838200" y="1410790"/>
+                <a:ext cx="10515600" cy="5447210"/>
+              </a:xfrm>
+              <a:blipFill>
+                <a:blip r:embed="rId2"/>
+                <a:stretch>
+                  <a:fillRect l="-1217" t="-1790"/>
+                </a:stretch>
+              </a:blipFill>
+            </p:spPr>
+            <p:txBody>
+              <a:bodyPr/>
+              <a:lstStyle/>
+              <a:p>
+                <a:r>
+                  <a:rPr lang="pt-BR">
+                    <a:noFill/>
+                  </a:rPr>
+                  <a:t> </a:t>
+                </a:r>
+              </a:p>
+            </p:txBody>
+          </p:sp>
+        </mc:Fallback>
+      </mc:AlternateContent>
+    </p:spTree>
+    <p:extLst>
+      <p:ext uri="{BB962C8B-B14F-4D97-AF65-F5344CB8AC3E}">
+        <p14:creationId xmlns:p14="http://schemas.microsoft.com/office/powerpoint/2010/main" val="1281035168"/>
+      </p:ext>
+    </p:extLst>
+  </p:cSld>
+  <p:clrMapOvr>
+    <a:masterClrMapping/>
+  </p:clrMapOvr>
+  <p:timing>
+    <p:tnLst>
+      <p:par>
+        <p:cTn id="1" dur="indefinite" restart="never" nodeType="tmRoot"/>
+      </p:par>
+    </p:tnLst>
+  </p:timing>
+</p:sld>
+</file>
+
+<file path=ppt/slides/slide11.xml><?xml version="1.0" encoding="utf-8"?>
+<p:sld xmlns:a="http://schemas.openxmlformats.org/drawingml/2006/main" xmlns:r="http://schemas.openxmlformats.org/officeDocument/2006/relationships" xmlns:p="http://schemas.openxmlformats.org/presentationml/2006/main">
+  <p:cSld>
+    <p:spTree>
+      <p:nvGrpSpPr>
+        <p:cNvPr id="1" name=""/>
+        <p:cNvGrpSpPr/>
+        <p:nvPr/>
+      </p:nvGrpSpPr>
+      <p:grpSpPr>
+        <a:xfrm>
+          <a:off x="0" y="0"/>
+          <a:ext cx="0" cy="0"/>
+          <a:chOff x="0" y="0"/>
+          <a:chExt cx="0" cy="0"/>
+        </a:xfrm>
+      </p:grpSpPr>
+      <p:sp>
+        <p:nvSpPr>
+          <p:cNvPr id="2" name="Title 1"/>
+          <p:cNvSpPr>
+            <a:spLocks noGrp="1"/>
+          </p:cNvSpPr>
+          <p:nvPr>
+            <p:ph type="title"/>
+          </p:nvPr>
+        </p:nvSpPr>
+        <p:spPr>
+          <a:xfrm>
+            <a:off x="0" y="0"/>
+            <a:ext cx="4114800" cy="1334530"/>
+          </a:xfrm>
+        </p:spPr>
+        <p:style>
+          <a:lnRef idx="3">
+            <a:schemeClr val="lt1"/>
+          </a:lnRef>
+          <a:fillRef idx="1">
+            <a:schemeClr val="accent6"/>
+          </a:fillRef>
+          <a:effectRef idx="1">
+            <a:schemeClr val="accent6"/>
+          </a:effectRef>
+          <a:fontRef idx="minor">
+            <a:schemeClr val="lt1"/>
+          </a:fontRef>
+        </p:style>
+        <p:txBody>
+          <a:bodyPr>
+            <a:normAutofit/>
+          </a:bodyPr>
+          <a:lstStyle/>
+          <a:p>
+            <a:pPr algn="ctr"/>
+            <a:r>
+              <a:rPr lang="pt-BR" sz="3600" dirty="0" smtClean="0">
+                <a:solidFill>
+                  <a:srgbClr val="0070C0"/>
+                </a:solidFill>
+              </a:rPr>
+              <a:t>Rotina </a:t>
+            </a:r>
+            <a:r>
+              <a:rPr lang="pt-BR" sz="3600" dirty="0" err="1" smtClean="0">
+                <a:solidFill>
+                  <a:srgbClr val="0070C0"/>
+                </a:solidFill>
+              </a:rPr>
+              <a:t>MPI_Bcast</a:t>
+            </a:r>
+            <a:endParaRPr lang="pt-BR" sz="3600" dirty="0">
+              <a:solidFill>
+                <a:srgbClr val="0070C0"/>
+              </a:solidFill>
+            </a:endParaRPr>
+          </a:p>
+        </p:txBody>
+      </p:sp>
+      <p:pic>
+        <p:nvPicPr>
+          <p:cNvPr id="4" name="Content Placeholder 3"/>
+          <p:cNvPicPr>
+            <a:picLocks noGrp="1" noChangeAspect="1"/>
+          </p:cNvPicPr>
+          <p:nvPr>
+            <p:ph idx="1"/>
+          </p:nvPr>
+        </p:nvPicPr>
+        <p:blipFill>
+          <a:blip r:embed="rId2">
+            <a:extLst>
+              <a:ext uri="{28A0092B-C50C-407E-A947-70E740481C1C}">
+                <a14:useLocalDpi xmlns:a14="http://schemas.microsoft.com/office/drawing/2010/main" val="0"/>
+              </a:ext>
+            </a:extLst>
+          </a:blip>
+          <a:stretch>
+            <a:fillRect/>
+          </a:stretch>
+        </p:blipFill>
+        <p:spPr>
+          <a:xfrm>
+            <a:off x="4209537" y="0"/>
+            <a:ext cx="7982463" cy="6858000"/>
+          </a:xfrm>
+        </p:spPr>
+      </p:pic>
+      <p:sp>
+        <p:nvSpPr>
+          <p:cNvPr id="5" name="TextBox 4"/>
+          <p:cNvSpPr txBox="1"/>
+          <p:nvPr/>
+        </p:nvSpPr>
+        <p:spPr>
+          <a:xfrm>
+            <a:off x="0" y="3076832"/>
+            <a:ext cx="4114800" cy="2031325"/>
+          </a:xfrm>
+          <a:prstGeom prst="rect">
+            <a:avLst/>
+          </a:prstGeom>
+        </p:spPr>
+        <p:style>
+          <a:lnRef idx="3">
+            <a:schemeClr val="lt1"/>
+          </a:lnRef>
+          <a:fillRef idx="1">
+            <a:schemeClr val="accent4"/>
+          </a:fillRef>
+          <a:effectRef idx="1">
+            <a:schemeClr val="accent4"/>
+          </a:effectRef>
+          <a:fontRef idx="minor">
+            <a:schemeClr val="lt1"/>
+          </a:fontRef>
+        </p:style>
+        <p:txBody>
+          <a:bodyPr wrap="square" rtlCol="0">
+            <a:spAutoFit/>
+          </a:bodyPr>
+          <a:lstStyle/>
+          <a:p>
+            <a:r>
+              <a:rPr lang="pt-BR" b="1" dirty="0" smtClean="0">
+                <a:solidFill>
+                  <a:srgbClr val="FF0000"/>
+                </a:solidFill>
+              </a:rPr>
+              <a:t>Depois de </a:t>
+            </a:r>
+            <a:r>
+              <a:rPr lang="pt-BR" b="1" dirty="0" err="1" smtClean="0">
+                <a:solidFill>
+                  <a:srgbClr val="FF0000"/>
+                </a:solidFill>
+              </a:rPr>
+              <a:t>MPI_Bcast</a:t>
+            </a:r>
+            <a:endParaRPr lang="pt-BR" b="1" dirty="0">
+              <a:solidFill>
+                <a:srgbClr val="FF0000"/>
+              </a:solidFill>
+            </a:endParaRPr>
+          </a:p>
+          <a:p>
+            <a:endParaRPr lang="pt-BR" b="1" dirty="0" smtClean="0">
+              <a:solidFill>
+                <a:srgbClr val="FF0000"/>
+              </a:solidFill>
+            </a:endParaRPr>
+          </a:p>
+          <a:p>
+            <a:r>
+              <a:rPr lang="pt-BR" b="1" dirty="0" smtClean="0">
+                <a:solidFill>
+                  <a:srgbClr val="FF0000"/>
+                </a:solidFill>
+              </a:rPr>
+              <a:t>Processo 0 , manda 0 para todos</a:t>
+            </a:r>
+          </a:p>
+          <a:p>
+            <a:endParaRPr lang="pt-BR" b="1" dirty="0" smtClean="0">
+              <a:solidFill>
+                <a:srgbClr val="FF0000"/>
+              </a:solidFill>
+            </a:endParaRPr>
+          </a:p>
+          <a:p>
+            <a:r>
+              <a:rPr lang="pt-BR" b="1" dirty="0" smtClean="0">
+                <a:solidFill>
+                  <a:srgbClr val="FF0000"/>
+                </a:solidFill>
+              </a:rPr>
+              <a:t>Processo 1, manda  11 para todos</a:t>
+            </a:r>
+          </a:p>
+          <a:p>
+            <a:endParaRPr lang="pt-BR" b="1" dirty="0">
+              <a:solidFill>
+                <a:srgbClr val="FF0000"/>
+              </a:solidFill>
+            </a:endParaRPr>
+          </a:p>
+          <a:p>
+            <a:r>
+              <a:rPr lang="pt-BR" b="1" dirty="0" smtClean="0">
+                <a:solidFill>
+                  <a:srgbClr val="FF0000"/>
+                </a:solidFill>
+              </a:rPr>
+              <a:t>Processo 2, manda 22, 23, 24 para todos</a:t>
+            </a:r>
+            <a:endParaRPr lang="pt-BR" b="1" dirty="0">
+              <a:solidFill>
+                <a:srgbClr val="FF0000"/>
+              </a:solidFill>
+            </a:endParaRPr>
+          </a:p>
+        </p:txBody>
+      </p:sp>
+    </p:spTree>
+    <p:extLst>
+      <p:ext uri="{BB962C8B-B14F-4D97-AF65-F5344CB8AC3E}">
+        <p14:creationId xmlns:p14="http://schemas.microsoft.com/office/powerpoint/2010/main" val="3947395080"/>
+      </p:ext>
+    </p:extLst>
+  </p:cSld>
+  <p:clrMapOvr>
+    <a:masterClrMapping/>
+  </p:clrMapOvr>
+  <p:timing>
+    <p:tnLst>
+      <p:par>
+        <p:cTn id="1" dur="indefinite" restart="never" nodeType="tmRoot"/>
+      </p:par>
+    </p:tnLst>
+  </p:timing>
+</p:sld>
+</file>
+
+<file path=ppt/slides/slide12.xml><?xml version="1.0" encoding="utf-8"?>
+<p:sld xmlns:a="http://schemas.openxmlformats.org/drawingml/2006/main" xmlns:r="http://schemas.openxmlformats.org/officeDocument/2006/relationships" xmlns:p="http://schemas.openxmlformats.org/presentationml/2006/main">
+  <p:cSld>
+    <p:spTree>
+      <p:nvGrpSpPr>
+        <p:cNvPr id="1" name=""/>
+        <p:cNvGrpSpPr/>
+        <p:nvPr/>
+      </p:nvGrpSpPr>
+      <p:grpSpPr>
+        <a:xfrm>
+          <a:off x="0" y="0"/>
+          <a:ext cx="0" cy="0"/>
+          <a:chOff x="0" y="0"/>
+          <a:chExt cx="0" cy="0"/>
+        </a:xfrm>
+      </p:grpSpPr>
+      <p:sp>
+        <p:nvSpPr>
+          <p:cNvPr id="2" name="Title 1"/>
+          <p:cNvSpPr>
+            <a:spLocks noGrp="1"/>
+          </p:cNvSpPr>
+          <p:nvPr>
+            <p:ph type="title"/>
+          </p:nvPr>
+        </p:nvSpPr>
+        <p:spPr>
+          <a:xfrm>
+            <a:off x="0" y="1"/>
+            <a:ext cx="12192000" cy="914399"/>
+          </a:xfrm>
+        </p:spPr>
+        <p:style>
+          <a:lnRef idx="2">
+            <a:schemeClr val="accent5">
+              <a:shade val="50000"/>
+            </a:schemeClr>
+          </a:lnRef>
+          <a:fillRef idx="1">
+            <a:schemeClr val="accent5"/>
+          </a:fillRef>
+          <a:effectRef idx="0">
+            <a:schemeClr val="accent5"/>
+          </a:effectRef>
+          <a:fontRef idx="minor">
+            <a:schemeClr val="lt1"/>
+          </a:fontRef>
+        </p:style>
+        <p:txBody>
+          <a:bodyPr/>
+          <a:lstStyle/>
+          <a:p>
+            <a:r>
+              <a:rPr lang="pt-BR" dirty="0" smtClean="0">
+                <a:solidFill>
+                  <a:srgbClr val="FFFF00"/>
+                </a:solidFill>
+              </a:rPr>
+              <a:t>Gráfico feito pelo </a:t>
+            </a:r>
+            <a:r>
+              <a:rPr lang="pt-BR" dirty="0" err="1" smtClean="0">
+                <a:solidFill>
+                  <a:srgbClr val="FFFF00"/>
+                </a:solidFill>
+              </a:rPr>
+              <a:t>MatLab</a:t>
+            </a:r>
+            <a:r>
+              <a:rPr lang="pt-BR" dirty="0" smtClean="0">
+                <a:solidFill>
+                  <a:srgbClr val="FFFF00"/>
+                </a:solidFill>
+              </a:rPr>
+              <a:t> </a:t>
+            </a:r>
+            <a:endParaRPr lang="pt-BR" dirty="0">
+              <a:solidFill>
+                <a:srgbClr val="FFFF00"/>
+              </a:solidFill>
+            </a:endParaRPr>
+          </a:p>
+        </p:txBody>
+      </p:sp>
+      <p:pic>
+        <p:nvPicPr>
+          <p:cNvPr id="6" name="Picture 5"/>
+          <p:cNvPicPr>
+            <a:picLocks noChangeAspect="1"/>
+          </p:cNvPicPr>
+          <p:nvPr/>
+        </p:nvPicPr>
+        <p:blipFill>
+          <a:blip r:embed="rId2"/>
+          <a:stretch>
+            <a:fillRect/>
+          </a:stretch>
+        </p:blipFill>
+        <p:spPr>
+          <a:xfrm>
+            <a:off x="7310846" y="0"/>
+            <a:ext cx="3356386" cy="914398"/>
+          </a:xfrm>
+          <a:prstGeom prst="rect">
+            <a:avLst/>
+          </a:prstGeom>
+        </p:spPr>
+      </p:pic>
+      <p:sp>
+        <p:nvSpPr>
+          <p:cNvPr id="7" name="TextBox 6"/>
+          <p:cNvSpPr txBox="1"/>
+          <p:nvPr/>
+        </p:nvSpPr>
+        <p:spPr>
+          <a:xfrm>
+            <a:off x="326571" y="3370217"/>
+            <a:ext cx="1632858" cy="1200329"/>
+          </a:xfrm>
+          <a:prstGeom prst="rect">
+            <a:avLst/>
+          </a:prstGeom>
+        </p:spPr>
+        <p:style>
+          <a:lnRef idx="3">
+            <a:schemeClr val="lt1"/>
+          </a:lnRef>
+          <a:fillRef idx="1">
+            <a:schemeClr val="accent4"/>
+          </a:fillRef>
+          <a:effectRef idx="1">
+            <a:schemeClr val="accent4"/>
+          </a:effectRef>
+          <a:fontRef idx="minor">
+            <a:schemeClr val="lt1"/>
+          </a:fontRef>
+        </p:style>
+        <p:txBody>
+          <a:bodyPr wrap="square" rtlCol="0">
+            <a:spAutoFit/>
+          </a:bodyPr>
+          <a:lstStyle/>
+          <a:p>
+            <a:r>
+              <a:rPr lang="pt-BR" dirty="0" smtClean="0">
+                <a:solidFill>
+                  <a:srgbClr val="0070C0"/>
+                </a:solidFill>
+              </a:rPr>
+              <a:t>Foi usado: </a:t>
+            </a:r>
+          </a:p>
+          <a:p>
+            <a:r>
+              <a:rPr lang="pt-BR" dirty="0" smtClean="0">
+                <a:solidFill>
+                  <a:srgbClr val="0070C0"/>
+                </a:solidFill>
+              </a:rPr>
+              <a:t>Alfa = 5</a:t>
+            </a:r>
+          </a:p>
+          <a:p>
+            <a:r>
+              <a:rPr lang="pt-BR" dirty="0" smtClean="0">
+                <a:solidFill>
+                  <a:srgbClr val="0070C0"/>
+                </a:solidFill>
+              </a:rPr>
+              <a:t>Beta = 4</a:t>
+            </a:r>
+          </a:p>
+          <a:p>
+            <a:r>
+              <a:rPr lang="pt-BR" dirty="0" smtClean="0">
+                <a:solidFill>
+                  <a:srgbClr val="0070C0"/>
+                </a:solidFill>
+              </a:rPr>
+              <a:t>D = 0.05</a:t>
+            </a:r>
+          </a:p>
+        </p:txBody>
+      </p:sp>
+      <p:pic>
+        <p:nvPicPr>
+          <p:cNvPr id="4" name="Content Placeholder 3"/>
+          <p:cNvPicPr>
+            <a:picLocks noGrp="1" noChangeAspect="1"/>
+          </p:cNvPicPr>
+          <p:nvPr>
+            <p:ph idx="1"/>
+          </p:nvPr>
+        </p:nvPicPr>
+        <p:blipFill>
+          <a:blip r:embed="rId3">
+            <a:extLst>
+              <a:ext uri="{28A0092B-C50C-407E-A947-70E740481C1C}">
+                <a14:useLocalDpi xmlns:a14="http://schemas.microsoft.com/office/drawing/2010/main" val="0"/>
+              </a:ext>
+            </a:extLst>
+          </a:blip>
+          <a:stretch>
+            <a:fillRect/>
+          </a:stretch>
+        </p:blipFill>
+        <p:spPr>
+          <a:xfrm>
+            <a:off x="3840480" y="914398"/>
+            <a:ext cx="8351520" cy="5943601"/>
+          </a:xfrm>
+        </p:spPr>
+      </p:pic>
+      <p:pic>
+        <p:nvPicPr>
+          <p:cNvPr id="9" name="Picture 8"/>
+          <p:cNvPicPr>
+            <a:picLocks noChangeAspect="1"/>
+          </p:cNvPicPr>
+          <p:nvPr/>
+        </p:nvPicPr>
+        <p:blipFill>
+          <a:blip r:embed="rId4"/>
+          <a:stretch>
+            <a:fillRect/>
+          </a:stretch>
+        </p:blipFill>
+        <p:spPr>
+          <a:xfrm>
+            <a:off x="0" y="1110727"/>
+            <a:ext cx="4389120" cy="1850315"/>
+          </a:xfrm>
+          <a:prstGeom prst="rect">
+            <a:avLst/>
+          </a:prstGeom>
+        </p:spPr>
+      </p:pic>
+    </p:spTree>
+    <p:extLst>
+      <p:ext uri="{BB962C8B-B14F-4D97-AF65-F5344CB8AC3E}">
+        <p14:creationId xmlns:p14="http://schemas.microsoft.com/office/powerpoint/2010/main" val="1133009638"/>
+      </p:ext>
+    </p:extLst>
+  </p:cSld>
+  <p:clrMapOvr>
+    <a:masterClrMapping/>
+  </p:clrMapOvr>
+  <p:timing>
+    <p:tnLst>
+      <p:par>
+        <p:cTn id="1" dur="indefinite" restart="never" nodeType="tmRoot"/>
+      </p:par>
+    </p:tnLst>
+  </p:timing>
+</p:sld>
+</file>
+
+<file path=ppt/slides/slide13.xml><?xml version="1.0" encoding="utf-8"?>
+<p:sld xmlns:a="http://schemas.openxmlformats.org/drawingml/2006/main" xmlns:r="http://schemas.openxmlformats.org/officeDocument/2006/relationships" xmlns:p="http://schemas.openxmlformats.org/presentationml/2006/main">
+  <p:cSld>
+    <p:spTree>
+      <p:nvGrpSpPr>
+        <p:cNvPr id="1" name=""/>
+        <p:cNvGrpSpPr/>
+        <p:nvPr/>
+      </p:nvGrpSpPr>
+      <p:grpSpPr>
+        <a:xfrm>
+          <a:off x="0" y="0"/>
+          <a:ext cx="0" cy="0"/>
+          <a:chOff x="0" y="0"/>
+          <a:chExt cx="0" cy="0"/>
+        </a:xfrm>
+      </p:grpSpPr>
+      <p:sp>
+        <p:nvSpPr>
+          <p:cNvPr id="3" name="Content Placeholder 2"/>
+          <p:cNvSpPr>
+            <a:spLocks noGrp="1"/>
+          </p:cNvSpPr>
+          <p:nvPr>
+            <p:ph idx="1"/>
+          </p:nvPr>
+        </p:nvSpPr>
+        <p:spPr>
+          <a:xfrm>
+            <a:off x="0" y="927462"/>
+            <a:ext cx="12192000" cy="5930538"/>
+          </a:xfrm>
+        </p:spPr>
+        <p:txBody>
+          <a:bodyPr/>
+          <a:lstStyle/>
+          <a:p>
+            <a:r>
+              <a:rPr lang="pt-BR" dirty="0" err="1" smtClean="0"/>
+              <a:t>Matlab</a:t>
+            </a:r>
+            <a:endParaRPr lang="pt-BR" dirty="0" smtClean="0"/>
+          </a:p>
+          <a:p>
+            <a:endParaRPr lang="pt-BR" dirty="0"/>
+          </a:p>
+          <a:p>
+            <a:endParaRPr lang="pt-BR" dirty="0" smtClean="0"/>
+          </a:p>
+          <a:p>
+            <a:endParaRPr lang="pt-BR" dirty="0"/>
+          </a:p>
+          <a:p>
+            <a:r>
+              <a:rPr lang="pt-BR" dirty="0" smtClean="0"/>
+              <a:t>C/C++</a:t>
+            </a:r>
+          </a:p>
+          <a:p>
+            <a:endParaRPr lang="pt-BR" dirty="0"/>
+          </a:p>
+          <a:p>
+            <a:endParaRPr lang="pt-BR" dirty="0" smtClean="0"/>
+          </a:p>
+          <a:p>
+            <a:endParaRPr lang="pt-BR" dirty="0" smtClean="0"/>
+          </a:p>
+          <a:p>
+            <a:r>
+              <a:rPr lang="pt-BR" dirty="0" smtClean="0"/>
+              <a:t>C/C++</a:t>
+            </a:r>
+          </a:p>
+          <a:p>
+            <a:pPr marL="0" indent="0">
+              <a:buNone/>
+            </a:pPr>
+            <a:r>
+              <a:rPr lang="pt-BR" dirty="0" smtClean="0"/>
+              <a:t> com MPI</a:t>
+            </a:r>
+            <a:endParaRPr lang="pt-BR" dirty="0"/>
+          </a:p>
+          <a:p>
+            <a:pPr marL="0" indent="0">
+              <a:buNone/>
+            </a:pPr>
+            <a:r>
+              <a:rPr lang="pt-BR" dirty="0" smtClean="0"/>
+              <a:t> </a:t>
+            </a:r>
+          </a:p>
+          <a:p>
+            <a:endParaRPr lang="pt-BR" dirty="0"/>
+          </a:p>
+          <a:p>
+            <a:pPr marL="0" fontAlgn="t">
+              <a:spcBef>
+                <a:spcPts val="0"/>
+              </a:spcBef>
+            </a:pPr>
+            <a:endParaRPr lang="pt-BR" dirty="0">
+              <a:latin typeface="Arial" panose="020B0604020202020204" pitchFamily="34" charset="0"/>
+            </a:endParaRPr>
+          </a:p>
+          <a:p>
+            <a:endParaRPr lang="pt-BR" dirty="0" smtClean="0"/>
+          </a:p>
+          <a:p>
+            <a:endParaRPr lang="pt-BR" dirty="0"/>
+          </a:p>
+          <a:p>
+            <a:endParaRPr lang="pt-BR" dirty="0" smtClean="0"/>
+          </a:p>
+          <a:p>
+            <a:endParaRPr lang="pt-BR" dirty="0"/>
+          </a:p>
+          <a:p>
+            <a:endParaRPr lang="pt-BR" dirty="0"/>
+          </a:p>
+        </p:txBody>
+      </p:sp>
+      <p:graphicFrame>
+        <p:nvGraphicFramePr>
+          <p:cNvPr id="4" name="Table 3"/>
+          <p:cNvGraphicFramePr>
+            <a:graphicFrameLocks noGrp="1"/>
+          </p:cNvGraphicFramePr>
+          <p:nvPr>
+            <p:extLst>
+              <p:ext uri="{D42A27DB-BD31-4B8C-83A1-F6EECF244321}">
+                <p14:modId xmlns:p14="http://schemas.microsoft.com/office/powerpoint/2010/main" val="2365449551"/>
+              </p:ext>
+            </p:extLst>
+          </p:nvPr>
+        </p:nvGraphicFramePr>
+        <p:xfrm>
+          <a:off x="1894109" y="-1"/>
+          <a:ext cx="10297895" cy="2207622"/>
+        </p:xfrm>
+        <a:graphic>
+          <a:graphicData uri="http://schemas.openxmlformats.org/drawingml/2006/table">
+            <a:tbl>
+              <a:tblPr firstRow="1" bandRow="1">
+                <a:tableStyleId>{5C22544A-7EE6-4342-B048-85BDC9FD1C3A}</a:tableStyleId>
+              </a:tblPr>
+              <a:tblGrid>
+                <a:gridCol w="2059579">
+                  <a:extLst>
+                    <a:ext uri="{9D8B030D-6E8A-4147-A177-3AD203B41FA5}">
+                      <a16:colId xmlns:a16="http://schemas.microsoft.com/office/drawing/2014/main" val="3291808984"/>
+                    </a:ext>
+                  </a:extLst>
+                </a:gridCol>
+                <a:gridCol w="2059579">
+                  <a:extLst>
+                    <a:ext uri="{9D8B030D-6E8A-4147-A177-3AD203B41FA5}">
+                      <a16:colId xmlns:a16="http://schemas.microsoft.com/office/drawing/2014/main" val="3374977596"/>
+                    </a:ext>
+                  </a:extLst>
+                </a:gridCol>
+                <a:gridCol w="2059579">
+                  <a:extLst>
+                    <a:ext uri="{9D8B030D-6E8A-4147-A177-3AD203B41FA5}">
+                      <a16:colId xmlns:a16="http://schemas.microsoft.com/office/drawing/2014/main" val="3065978255"/>
+                    </a:ext>
+                  </a:extLst>
+                </a:gridCol>
+                <a:gridCol w="2059579">
+                  <a:extLst>
+                    <a:ext uri="{9D8B030D-6E8A-4147-A177-3AD203B41FA5}">
+                      <a16:colId xmlns:a16="http://schemas.microsoft.com/office/drawing/2014/main" val="433647104"/>
+                    </a:ext>
+                  </a:extLst>
+                </a:gridCol>
+                <a:gridCol w="2059579">
+                  <a:extLst>
+                    <a:ext uri="{9D8B030D-6E8A-4147-A177-3AD203B41FA5}">
+                      <a16:colId xmlns:a16="http://schemas.microsoft.com/office/drawing/2014/main" val="1549555080"/>
+                    </a:ext>
+                  </a:extLst>
+                </a:gridCol>
+              </a:tblGrid>
+              <a:tr h="495374">
+                <a:tc>
+                  <a:txBody>
+                    <a:bodyPr/>
+                    <a:lstStyle/>
+                    <a:p>
+                      <a:pPr algn="ctr"/>
+                      <a:r>
+                        <a:rPr lang="pt-BR" dirty="0" smtClean="0"/>
+                        <a:t>h</a:t>
+                      </a:r>
+                      <a:endParaRPr lang="pt-BR" dirty="0"/>
+                    </a:p>
+                  </a:txBody>
+                  <a:tcPr/>
+                </a:tc>
+                <a:tc>
+                  <a:txBody>
+                    <a:bodyPr/>
+                    <a:lstStyle/>
+                    <a:p>
+                      <a:pPr algn="ctr"/>
+                      <a:r>
+                        <a:rPr lang="pt-BR" dirty="0" smtClean="0"/>
+                        <a:t>k</a:t>
+                      </a:r>
+                      <a:endParaRPr lang="pt-BR" dirty="0"/>
+                    </a:p>
+                  </a:txBody>
+                  <a:tcPr/>
+                </a:tc>
+                <a:tc>
+                  <a:txBody>
+                    <a:bodyPr/>
+                    <a:lstStyle/>
+                    <a:p>
+                      <a:pPr algn="ctr"/>
+                      <a:r>
+                        <a:rPr lang="pt-BR" dirty="0" smtClean="0"/>
+                        <a:t> U(x=0.5;t=1)</a:t>
+                      </a:r>
+                      <a:endParaRPr lang="pt-BR" dirty="0"/>
+                    </a:p>
+                  </a:txBody>
+                  <a:tcPr/>
+                </a:tc>
+                <a:tc>
+                  <a:txBody>
+                    <a:bodyPr/>
+                    <a:lstStyle/>
+                    <a:p>
+                      <a:pPr algn="ctr"/>
+                      <a:r>
+                        <a:rPr lang="pt-BR" dirty="0" smtClean="0"/>
+                        <a:t> w(x=0.5; t=1)</a:t>
+                      </a:r>
+                      <a:endParaRPr lang="pt-BR" dirty="0"/>
+                    </a:p>
+                  </a:txBody>
+                  <a:tcPr/>
+                </a:tc>
+                <a:tc>
+                  <a:txBody>
+                    <a:bodyPr/>
+                    <a:lstStyle/>
+                    <a:p>
+                      <a:pPr algn="ctr"/>
+                      <a:r>
+                        <a:rPr lang="pt-BR" dirty="0" smtClean="0"/>
+                        <a:t>Erro = U - w</a:t>
+                      </a:r>
+                      <a:endParaRPr lang="pt-BR" dirty="0"/>
+                    </a:p>
+                  </a:txBody>
+                  <a:tcPr/>
+                </a:tc>
+                <a:extLst>
+                  <a:ext uri="{0D108BD9-81ED-4DB2-BD59-A6C34878D82A}">
+                    <a16:rowId xmlns:a16="http://schemas.microsoft.com/office/drawing/2014/main" val="1157506183"/>
+                  </a:ext>
+                </a:extLst>
+              </a:tr>
+              <a:tr h="428062">
+                <a:tc>
+                  <a:txBody>
+                    <a:bodyPr/>
+                    <a:lstStyle/>
+                    <a:p>
+                      <a:pPr algn="ctr"/>
+                      <a:r>
+                        <a:rPr lang="pt-BR" dirty="0" smtClean="0"/>
+                        <a:t>0.01</a:t>
+                      </a:r>
+                      <a:endParaRPr lang="pt-BR" dirty="0"/>
+                    </a:p>
+                  </a:txBody>
+                  <a:tcPr/>
+                </a:tc>
+                <a:tc>
+                  <a:txBody>
+                    <a:bodyPr/>
+                    <a:lstStyle/>
+                    <a:p>
+                      <a:pPr algn="ctr"/>
+                      <a:r>
+                        <a:rPr lang="pt-BR" dirty="0" smtClean="0"/>
+                        <a:t>0.040</a:t>
+                      </a:r>
+                      <a:endParaRPr lang="pt-BR" dirty="0"/>
+                    </a:p>
+                  </a:txBody>
+                  <a:tcPr/>
+                </a:tc>
+                <a:tc>
+                  <a:txBody>
+                    <a:bodyPr/>
+                    <a:lstStyle/>
+                    <a:p>
+                      <a:pPr algn="ctr"/>
+                      <a:r>
+                        <a:rPr lang="pt-BR" dirty="0" smtClean="0"/>
+                        <a:t>0.153434</a:t>
+                      </a:r>
+                      <a:endParaRPr lang="pt-BR" dirty="0"/>
+                    </a:p>
+                  </a:txBody>
+                  <a:tcPr/>
+                </a:tc>
+                <a:tc>
+                  <a:txBody>
+                    <a:bodyPr/>
+                    <a:lstStyle/>
+                    <a:p>
+                      <a:pPr algn="ctr"/>
+                      <a:r>
+                        <a:rPr lang="pt-BR" dirty="0" smtClean="0"/>
+                        <a:t>0.154623</a:t>
+                      </a:r>
+                      <a:endParaRPr lang="pt-BR" dirty="0"/>
+                    </a:p>
+                  </a:txBody>
+                  <a:tcPr/>
+                </a:tc>
+                <a:tc>
+                  <a:txBody>
+                    <a:bodyPr/>
+                    <a:lstStyle/>
+                    <a:p>
+                      <a:pPr algn="ctr"/>
+                      <a:r>
+                        <a:rPr lang="pt-BR" dirty="0" smtClean="0"/>
+                        <a:t>-1.1887e-03</a:t>
+                      </a:r>
+                      <a:endParaRPr lang="pt-BR" dirty="0"/>
+                    </a:p>
+                  </a:txBody>
+                  <a:tcPr/>
+                </a:tc>
+                <a:extLst>
+                  <a:ext uri="{0D108BD9-81ED-4DB2-BD59-A6C34878D82A}">
+                    <a16:rowId xmlns:a16="http://schemas.microsoft.com/office/drawing/2014/main" val="1464895150"/>
+                  </a:ext>
+                </a:extLst>
+              </a:tr>
+              <a:tr h="428062">
+                <a:tc>
+                  <a:txBody>
+                    <a:bodyPr/>
+                    <a:lstStyle/>
+                    <a:p>
+                      <a:pPr algn="ctr"/>
+                      <a:r>
+                        <a:rPr lang="pt-BR" dirty="0" smtClean="0"/>
+                        <a:t>0.01</a:t>
+                      </a:r>
+                      <a:endParaRPr lang="pt-BR" dirty="0"/>
+                    </a:p>
+                  </a:txBody>
+                  <a:tcPr/>
+                </a:tc>
+                <a:tc>
+                  <a:txBody>
+                    <a:bodyPr/>
+                    <a:lstStyle/>
+                    <a:p>
+                      <a:pPr algn="ctr"/>
+                      <a:r>
+                        <a:rPr lang="pt-BR" dirty="0" smtClean="0"/>
+                        <a:t>0.020</a:t>
+                      </a:r>
+                      <a:endParaRPr lang="pt-BR" dirty="0"/>
+                    </a:p>
+                  </a:txBody>
+                  <a:tcPr/>
+                </a:tc>
+                <a:tc>
+                  <a:txBody>
+                    <a:bodyPr/>
+                    <a:lstStyle/>
+                    <a:p>
+                      <a:pPr algn="ctr"/>
+                      <a:r>
+                        <a:rPr lang="pt-BR" dirty="0" smtClean="0"/>
+                        <a:t>0.153434</a:t>
+                      </a:r>
+                      <a:endParaRPr lang="pt-BR" dirty="0"/>
+                    </a:p>
+                  </a:txBody>
+                  <a:tcPr/>
+                </a:tc>
+                <a:tc>
+                  <a:txBody>
+                    <a:bodyPr/>
+                    <a:lstStyle/>
+                    <a:p>
+                      <a:pPr algn="ctr"/>
+                      <a:r>
+                        <a:rPr lang="pt-BR" dirty="0" smtClean="0"/>
+                        <a:t>0.154044</a:t>
+                      </a:r>
+                      <a:endParaRPr lang="pt-BR" dirty="0"/>
+                    </a:p>
+                  </a:txBody>
+                  <a:tcPr/>
+                </a:tc>
+                <a:tc>
+                  <a:txBody>
+                    <a:bodyPr/>
+                    <a:lstStyle/>
+                    <a:p>
+                      <a:pPr algn="ctr"/>
+                      <a:r>
+                        <a:rPr lang="pt-BR" dirty="0" smtClean="0"/>
+                        <a:t>-6.0927e-04</a:t>
+                      </a:r>
+                      <a:endParaRPr lang="pt-BR" dirty="0"/>
+                    </a:p>
+                  </a:txBody>
+                  <a:tcPr/>
+                </a:tc>
+                <a:extLst>
+                  <a:ext uri="{0D108BD9-81ED-4DB2-BD59-A6C34878D82A}">
+                    <a16:rowId xmlns:a16="http://schemas.microsoft.com/office/drawing/2014/main" val="325184937"/>
+                  </a:ext>
+                </a:extLst>
+              </a:tr>
+              <a:tr h="428062">
+                <a:tc>
+                  <a:txBody>
+                    <a:bodyPr/>
+                    <a:lstStyle/>
+                    <a:p>
+                      <a:pPr algn="ctr"/>
+                      <a:r>
+                        <a:rPr lang="pt-BR" dirty="0" smtClean="0"/>
+                        <a:t>0.01</a:t>
+                      </a:r>
+                      <a:endParaRPr lang="pt-BR" dirty="0"/>
+                    </a:p>
+                  </a:txBody>
+                  <a:tcPr/>
+                </a:tc>
+                <a:tc>
+                  <a:txBody>
+                    <a:bodyPr/>
+                    <a:lstStyle/>
+                    <a:p>
+                      <a:pPr algn="ctr"/>
+                      <a:r>
+                        <a:rPr lang="pt-BR" dirty="0" smtClean="0"/>
+                        <a:t>0.010</a:t>
+                      </a:r>
+                      <a:endParaRPr lang="pt-BR" dirty="0"/>
+                    </a:p>
+                  </a:txBody>
+                  <a:tcPr/>
+                </a:tc>
+                <a:tc>
+                  <a:txBody>
+                    <a:bodyPr/>
+                    <a:lstStyle/>
+                    <a:p>
+                      <a:pPr algn="ctr"/>
+                      <a:r>
+                        <a:rPr lang="pt-BR" dirty="0" smtClean="0"/>
+                        <a:t>0.153434</a:t>
+                      </a:r>
+                      <a:endParaRPr lang="pt-BR" dirty="0"/>
+                    </a:p>
+                  </a:txBody>
+                  <a:tcPr/>
+                </a:tc>
+                <a:tc>
+                  <a:txBody>
+                    <a:bodyPr/>
+                    <a:lstStyle/>
+                    <a:p>
+                      <a:pPr algn="ctr"/>
+                      <a:r>
+                        <a:rPr lang="pt-BR" dirty="0" smtClean="0"/>
+                        <a:t>0.153749</a:t>
+                      </a:r>
+                      <a:endParaRPr lang="pt-BR" dirty="0"/>
+                    </a:p>
+                  </a:txBody>
+                  <a:tcPr/>
+                </a:tc>
+                <a:tc>
+                  <a:txBody>
+                    <a:bodyPr/>
+                    <a:lstStyle/>
+                    <a:p>
+                      <a:pPr algn="ctr"/>
+                      <a:r>
+                        <a:rPr lang="pt-BR" dirty="0" smtClean="0"/>
+                        <a:t>-3.1436e-04</a:t>
+                      </a:r>
+                      <a:endParaRPr lang="pt-BR" dirty="0"/>
+                    </a:p>
+                  </a:txBody>
+                  <a:tcPr/>
+                </a:tc>
+                <a:extLst>
+                  <a:ext uri="{0D108BD9-81ED-4DB2-BD59-A6C34878D82A}">
+                    <a16:rowId xmlns:a16="http://schemas.microsoft.com/office/drawing/2014/main" val="2922565416"/>
+                  </a:ext>
+                </a:extLst>
+              </a:tr>
+              <a:tr h="428062">
+                <a:tc>
+                  <a:txBody>
+                    <a:bodyPr/>
+                    <a:lstStyle/>
+                    <a:p>
+                      <a:pPr algn="ctr"/>
+                      <a:r>
+                        <a:rPr lang="pt-BR" dirty="0" smtClean="0"/>
+                        <a:t>0.01</a:t>
+                      </a:r>
+                      <a:endParaRPr lang="pt-BR" dirty="0"/>
+                    </a:p>
+                  </a:txBody>
+                  <a:tcPr/>
+                </a:tc>
+                <a:tc>
+                  <a:txBody>
+                    <a:bodyPr/>
+                    <a:lstStyle/>
+                    <a:p>
+                      <a:pPr algn="ctr"/>
+                      <a:r>
+                        <a:rPr lang="pt-BR" dirty="0" smtClean="0"/>
+                        <a:t>0.005</a:t>
+                      </a:r>
+                      <a:endParaRPr lang="pt-BR" dirty="0"/>
+                    </a:p>
+                  </a:txBody>
+                  <a:tcPr/>
+                </a:tc>
+                <a:tc>
+                  <a:txBody>
+                    <a:bodyPr/>
+                    <a:lstStyle/>
+                    <a:p>
+                      <a:pPr algn="ctr"/>
+                      <a:r>
+                        <a:rPr lang="pt-BR" dirty="0" smtClean="0"/>
+                        <a:t>0.153434</a:t>
+                      </a:r>
+                      <a:endParaRPr lang="pt-BR" dirty="0"/>
+                    </a:p>
+                  </a:txBody>
+                  <a:tcPr/>
+                </a:tc>
+                <a:tc>
+                  <a:txBody>
+                    <a:bodyPr/>
+                    <a:lstStyle/>
+                    <a:p>
+                      <a:pPr algn="ctr"/>
+                      <a:r>
+                        <a:rPr lang="pt-BR" dirty="0" smtClean="0"/>
+                        <a:t>0.153600</a:t>
+                      </a:r>
+                      <a:endParaRPr lang="pt-BR" dirty="0"/>
+                    </a:p>
+                  </a:txBody>
+                  <a:tcPr/>
+                </a:tc>
+                <a:tc>
+                  <a:txBody>
+                    <a:bodyPr/>
+                    <a:lstStyle/>
+                    <a:p>
+                      <a:pPr algn="ctr"/>
+                      <a:r>
+                        <a:rPr lang="pt-BR" dirty="0" smtClean="0"/>
+                        <a:t>-1.6556e-04</a:t>
+                      </a:r>
+                      <a:endParaRPr lang="pt-BR" dirty="0"/>
+                    </a:p>
+                  </a:txBody>
+                  <a:tcPr/>
+                </a:tc>
+                <a:extLst>
+                  <a:ext uri="{0D108BD9-81ED-4DB2-BD59-A6C34878D82A}">
+                    <a16:rowId xmlns:a16="http://schemas.microsoft.com/office/drawing/2014/main" val="721461816"/>
+                  </a:ext>
+                </a:extLst>
+              </a:tr>
+            </a:tbl>
+          </a:graphicData>
+        </a:graphic>
+      </p:graphicFrame>
+      <p:pic>
+        <p:nvPicPr>
+          <p:cNvPr id="6" name="Picture 5"/>
+          <p:cNvPicPr>
+            <a:picLocks noChangeAspect="1"/>
+          </p:cNvPicPr>
+          <p:nvPr/>
+        </p:nvPicPr>
+        <p:blipFill>
+          <a:blip r:embed="rId2">
+            <a:extLst>
+              <a:ext uri="{28A0092B-C50C-407E-A947-70E740481C1C}">
+                <a14:useLocalDpi xmlns:a14="http://schemas.microsoft.com/office/drawing/2010/main" val="0"/>
+              </a:ext>
+            </a:extLst>
+          </a:blip>
+          <a:stretch>
+            <a:fillRect/>
+          </a:stretch>
+        </p:blipFill>
+        <p:spPr>
+          <a:xfrm>
+            <a:off x="1894112" y="2207621"/>
+            <a:ext cx="10297887" cy="3291841"/>
+          </a:xfrm>
+          <a:prstGeom prst="rect">
+            <a:avLst/>
+          </a:prstGeom>
+        </p:spPr>
+      </p:pic>
+      <p:pic>
+        <p:nvPicPr>
+          <p:cNvPr id="8" name="Picture 7"/>
+          <p:cNvPicPr>
+            <a:picLocks noChangeAspect="1"/>
+          </p:cNvPicPr>
+          <p:nvPr/>
+        </p:nvPicPr>
+        <p:blipFill>
+          <a:blip r:embed="rId3">
+            <a:extLst>
+              <a:ext uri="{28A0092B-C50C-407E-A947-70E740481C1C}">
+                <a14:useLocalDpi xmlns:a14="http://schemas.microsoft.com/office/drawing/2010/main" val="0"/>
+              </a:ext>
+            </a:extLst>
+          </a:blip>
+          <a:stretch>
+            <a:fillRect/>
+          </a:stretch>
+        </p:blipFill>
+        <p:spPr>
+          <a:xfrm>
+            <a:off x="1894110" y="4180114"/>
+            <a:ext cx="10297890" cy="2677886"/>
+          </a:xfrm>
+          <a:prstGeom prst="rect">
+            <a:avLst/>
+          </a:prstGeom>
+        </p:spPr>
+      </p:pic>
+      <p:sp>
+        <p:nvSpPr>
+          <p:cNvPr id="2" name="Title 1"/>
+          <p:cNvSpPr>
+            <a:spLocks noGrp="1"/>
+          </p:cNvSpPr>
+          <p:nvPr>
+            <p:ph type="title"/>
+          </p:nvPr>
+        </p:nvSpPr>
+        <p:spPr>
+          <a:xfrm>
+            <a:off x="0" y="0"/>
+            <a:ext cx="1894109" cy="613954"/>
+          </a:xfrm>
+        </p:spPr>
+        <p:style>
+          <a:lnRef idx="2">
+            <a:schemeClr val="accent4">
+              <a:shade val="50000"/>
+            </a:schemeClr>
+          </a:lnRef>
+          <a:fillRef idx="1">
+            <a:schemeClr val="accent4"/>
+          </a:fillRef>
+          <a:effectRef idx="0">
+            <a:schemeClr val="accent4"/>
+          </a:effectRef>
+          <a:fontRef idx="minor">
+            <a:schemeClr val="lt1"/>
+          </a:fontRef>
+        </p:style>
+        <p:txBody>
+          <a:bodyPr>
+            <a:normAutofit/>
+          </a:bodyPr>
+          <a:lstStyle/>
+          <a:p>
+            <a:pPr algn="ctr"/>
+            <a:r>
+              <a:rPr lang="pt-BR" sz="2800" b="1" dirty="0" smtClean="0">
+                <a:solidFill>
+                  <a:srgbClr val="FF0000"/>
+                </a:solidFill>
+              </a:rPr>
+              <a:t>Resultados </a:t>
+            </a:r>
+            <a:endParaRPr lang="pt-BR" sz="2800" b="1" dirty="0">
+              <a:solidFill>
+                <a:srgbClr val="FF0000"/>
+              </a:solidFill>
+            </a:endParaRPr>
+          </a:p>
+        </p:txBody>
+      </p:sp>
+    </p:spTree>
+    <p:extLst>
+      <p:ext uri="{BB962C8B-B14F-4D97-AF65-F5344CB8AC3E}">
+        <p14:creationId xmlns:p14="http://schemas.microsoft.com/office/powerpoint/2010/main" val="2042538277"/>
+      </p:ext>
+    </p:extLst>
+  </p:cSld>
+  <p:clrMapOvr>
+    <a:masterClrMapping/>
+  </p:clrMapOvr>
+  <p:timing>
+    <p:tnLst>
+      <p:par>
+        <p:cTn id="1" dur="indefinite" restart="never" nodeType="tmRoot"/>
+      </p:par>
+    </p:tnLst>
+  </p:timing>
+</p:sld>
+</file>
+
+<file path=ppt/slides/slide14.xml><?xml version="1.0" encoding="utf-8"?>
+<p:sld xmlns:a="http://schemas.openxmlformats.org/drawingml/2006/main" xmlns:r="http://schemas.openxmlformats.org/officeDocument/2006/relationships" xmlns:p="http://schemas.openxmlformats.org/presentationml/2006/main">
+  <p:cSld>
+    <p:spTree>
+      <p:nvGrpSpPr>
+        <p:cNvPr id="1" name=""/>
+        <p:cNvGrpSpPr/>
+        <p:nvPr/>
+      </p:nvGrpSpPr>
+      <p:grpSpPr>
+        <a:xfrm>
+          <a:off x="0" y="0"/>
+          <a:ext cx="0" cy="0"/>
+          <a:chOff x="0" y="0"/>
+          <a:chExt cx="0" cy="0"/>
+        </a:xfrm>
+      </p:grpSpPr>
+      <p:sp>
+        <p:nvSpPr>
+          <p:cNvPr id="5" name="Content Placeholder 4"/>
+          <p:cNvSpPr>
+            <a:spLocks noGrp="1"/>
+          </p:cNvSpPr>
+          <p:nvPr>
+            <p:ph idx="1"/>
+          </p:nvPr>
+        </p:nvSpPr>
+        <p:spPr>
+          <a:xfrm>
+            <a:off x="0" y="0"/>
+            <a:ext cx="12192000" cy="6858000"/>
+          </a:xfrm>
+        </p:spPr>
+        <p:txBody>
+          <a:bodyPr>
+            <a:noAutofit/>
+          </a:bodyPr>
+          <a:lstStyle/>
+          <a:p>
+            <a:pPr marL="0" indent="0">
+              <a:lnSpc>
+                <a:spcPct val="100000"/>
+              </a:lnSpc>
+              <a:spcBef>
+                <a:spcPts val="600"/>
+              </a:spcBef>
+              <a:buNone/>
+            </a:pPr>
+            <a:endParaRPr lang="pt-BR" sz="1800" dirty="0">
+              <a:solidFill>
+                <a:srgbClr val="0070C0"/>
+              </a:solidFill>
+            </a:endParaRPr>
+          </a:p>
+          <a:p>
+            <a:pPr>
+              <a:lnSpc>
+                <a:spcPct val="100000"/>
+              </a:lnSpc>
+              <a:spcBef>
+                <a:spcPts val="600"/>
+              </a:spcBef>
+            </a:pPr>
+            <a:endParaRPr lang="pt-BR" sz="1800" dirty="0">
+              <a:solidFill>
+                <a:srgbClr val="0070C0"/>
+              </a:solidFill>
+            </a:endParaRPr>
+          </a:p>
+        </p:txBody>
+      </p:sp>
+      <p:pic>
+        <p:nvPicPr>
+          <p:cNvPr id="6" name="Picture 5"/>
+          <p:cNvPicPr>
+            <a:picLocks noChangeAspect="1"/>
+          </p:cNvPicPr>
+          <p:nvPr/>
+        </p:nvPicPr>
+        <p:blipFill>
+          <a:blip r:embed="rId2">
+            <a:extLst>
+              <a:ext uri="{28A0092B-C50C-407E-A947-70E740481C1C}">
+                <a14:useLocalDpi xmlns:a14="http://schemas.microsoft.com/office/drawing/2010/main" val="0"/>
+              </a:ext>
+            </a:extLst>
+          </a:blip>
+          <a:stretch>
+            <a:fillRect/>
+          </a:stretch>
+        </p:blipFill>
+        <p:spPr>
+          <a:xfrm>
+            <a:off x="0" y="0"/>
+            <a:ext cx="12191999" cy="6858000"/>
+          </a:xfrm>
+          <a:prstGeom prst="rect">
+            <a:avLst/>
+          </a:prstGeom>
+        </p:spPr>
+      </p:pic>
+      <p:sp>
+        <p:nvSpPr>
+          <p:cNvPr id="2" name="TextBox 1"/>
+          <p:cNvSpPr txBox="1"/>
+          <p:nvPr/>
+        </p:nvSpPr>
+        <p:spPr>
+          <a:xfrm>
+            <a:off x="8143103" y="4572000"/>
+            <a:ext cx="2804983" cy="369332"/>
+          </a:xfrm>
+          <a:prstGeom prst="rect">
+            <a:avLst/>
+          </a:prstGeom>
+        </p:spPr>
+        <p:style>
+          <a:lnRef idx="3">
+            <a:schemeClr val="lt1"/>
+          </a:lnRef>
+          <a:fillRef idx="1">
+            <a:schemeClr val="accent4"/>
+          </a:fillRef>
+          <a:effectRef idx="1">
+            <a:schemeClr val="accent4"/>
+          </a:effectRef>
+          <a:fontRef idx="minor">
+            <a:schemeClr val="lt1"/>
+          </a:fontRef>
+        </p:style>
+        <p:txBody>
+          <a:bodyPr wrap="square" rtlCol="0">
+            <a:spAutoFit/>
+          </a:bodyPr>
+          <a:lstStyle/>
+          <a:p>
+            <a:r>
+              <a:rPr lang="pt-BR" b="1" dirty="0" smtClean="0">
+                <a:solidFill>
+                  <a:srgbClr val="FF0000"/>
+                </a:solidFill>
+              </a:rPr>
+              <a:t>Código serial em </a:t>
+            </a:r>
+            <a:r>
+              <a:rPr lang="pt-BR" b="1" dirty="0" err="1" smtClean="0">
+                <a:solidFill>
+                  <a:srgbClr val="FF0000"/>
+                </a:solidFill>
+              </a:rPr>
+              <a:t>MatLab</a:t>
+            </a:r>
+            <a:endParaRPr lang="pt-BR" b="1" dirty="0">
+              <a:solidFill>
+                <a:srgbClr val="FF0000"/>
+              </a:solidFill>
+            </a:endParaRPr>
+          </a:p>
+        </p:txBody>
+      </p:sp>
+    </p:spTree>
+    <p:extLst>
+      <p:ext uri="{BB962C8B-B14F-4D97-AF65-F5344CB8AC3E}">
+        <p14:creationId xmlns:p14="http://schemas.microsoft.com/office/powerpoint/2010/main" val="3859128500"/>
+      </p:ext>
+    </p:extLst>
+  </p:cSld>
+  <p:clrMapOvr>
+    <a:masterClrMapping/>
+  </p:clrMapOvr>
+  <p:timing>
+    <p:tnLst>
+      <p:par>
+        <p:cTn id="1" dur="indefinite" restart="never" nodeType="tmRoot"/>
+      </p:par>
+    </p:tnLst>
+  </p:timing>
+</p:sld>
+</file>
+
+<file path=ppt/slides/slide15.xml><?xml version="1.0" encoding="utf-8"?>
+<p:sld xmlns:a="http://schemas.openxmlformats.org/drawingml/2006/main" xmlns:r="http://schemas.openxmlformats.org/officeDocument/2006/relationships" xmlns:p="http://schemas.openxmlformats.org/presentationml/2006/main">
+  <p:cSld>
+    <p:spTree>
+      <p:nvGrpSpPr>
+        <p:cNvPr id="1" name=""/>
+        <p:cNvGrpSpPr/>
+        <p:nvPr/>
+      </p:nvGrpSpPr>
+      <p:grpSpPr>
+        <a:xfrm>
+          <a:off x="0" y="0"/>
+          <a:ext cx="0" cy="0"/>
+          <a:chOff x="0" y="0"/>
+          <a:chExt cx="0" cy="0"/>
+        </a:xfrm>
+      </p:grpSpPr>
+      <p:sp>
+        <p:nvSpPr>
           <p:cNvPr id="2" name="Título 1">
             <a:extLst>
               <a:ext uri="{FF2B5EF4-FFF2-40B4-BE49-F238E27FC236}">
@@ -3579,187 +6006,775 @@
           </a:p>
         </p:txBody>
       </p:sp>
-      <p:sp>
-        <p:nvSpPr>
-          <p:cNvPr id="3" name="Espaço Reservado para Conteúdo 2">
-            <a:extLst>
-              <a:ext uri="{FF2B5EF4-FFF2-40B4-BE49-F238E27FC236}">
-                <a16:creationId xmlns:a16="http://schemas.microsoft.com/office/drawing/2014/main" id="{8CCDC50A-FBC9-403E-8658-C80E776FB453}"/>
-              </a:ext>
-            </a:extLst>
-          </p:cNvPr>
-          <p:cNvSpPr>
-            <a:spLocks noGrp="1"/>
-          </p:cNvSpPr>
-          <p:nvPr>
-            <p:ph idx="1"/>
-          </p:nvPr>
-        </p:nvSpPr>
-        <p:spPr>
-          <a:xfrm>
-            <a:off x="-1" y="1458097"/>
-            <a:ext cx="12191999" cy="5399903"/>
-          </a:xfrm>
-        </p:spPr>
-        <p:txBody>
-          <a:bodyPr>
-            <a:normAutofit lnSpcReduction="10000"/>
-          </a:bodyPr>
-          <a:lstStyle/>
-          <a:p>
-            <a:r>
-              <a:rPr lang="pt-BR" sz="2400" dirty="0"/>
-              <a:t>1) Inicialmente na dissertação foi usado apenas o código serial e o código com </a:t>
-            </a:r>
-            <a:r>
-              <a:rPr lang="pt-BR" sz="2400" dirty="0" err="1"/>
-              <a:t>OpenMP</a:t>
-            </a:r>
-            <a:r>
-              <a:rPr lang="pt-BR" sz="2400" dirty="0"/>
-              <a:t> com blocos extras de tamanho 50(primeiro método). Foi usado os computadores do </a:t>
-            </a:r>
-            <a:r>
-              <a:rPr lang="pt-BR" sz="2400" dirty="0" err="1"/>
-              <a:t>Cenapad</a:t>
-            </a:r>
-            <a:r>
-              <a:rPr lang="pt-BR" sz="2400" dirty="0"/>
-              <a:t>(Campinas-Brasil), Global-</a:t>
-            </a:r>
-            <a:r>
-              <a:rPr lang="pt-BR" sz="2400" dirty="0" err="1"/>
-              <a:t>Okeanos</a:t>
-            </a:r>
-            <a:r>
-              <a:rPr lang="pt-BR" sz="2400" dirty="0"/>
-              <a:t>(Grécia) e Grid5000(França)</a:t>
-            </a:r>
-          </a:p>
-          <a:p>
-            <a:endParaRPr lang="pt-BR" sz="2400" dirty="0"/>
-          </a:p>
-          <a:p>
-            <a:r>
-              <a:rPr lang="pt-BR" sz="2400" dirty="0"/>
-              <a:t>2) Tentei várias vezes implementar o segundo método(sem bloco extra) mas sempre era mais lento que o primeiro método. Agora neste trabalho de Computação paralela, estudando melhor as </a:t>
-            </a:r>
-            <a:r>
-              <a:rPr lang="pt-BR" sz="2400" dirty="0" err="1"/>
-              <a:t>diretivasde</a:t>
-            </a:r>
-            <a:r>
-              <a:rPr lang="pt-BR" sz="2400" dirty="0"/>
-              <a:t> </a:t>
-            </a:r>
-            <a:r>
-              <a:rPr lang="pt-BR" sz="2400" dirty="0" err="1"/>
-              <a:t>OpenMP</a:t>
-            </a:r>
-            <a:r>
-              <a:rPr lang="pt-BR" sz="2400" dirty="0"/>
-              <a:t>: </a:t>
-            </a:r>
-            <a:r>
-              <a:rPr lang="pt-BR" sz="2400" dirty="0">
-                <a:solidFill>
-                  <a:srgbClr val="FF0000"/>
-                </a:solidFill>
-              </a:rPr>
-              <a:t>- </a:t>
-            </a:r>
-            <a:r>
-              <a:rPr lang="pt-BR" sz="2400" dirty="0" err="1">
-                <a:solidFill>
-                  <a:srgbClr val="FF0000"/>
-                </a:solidFill>
-              </a:rPr>
-              <a:t>critical</a:t>
-            </a:r>
-            <a:r>
-              <a:rPr lang="pt-BR" sz="2400" dirty="0">
-                <a:solidFill>
-                  <a:srgbClr val="FF0000"/>
-                </a:solidFill>
-              </a:rPr>
-              <a:t>, </a:t>
-            </a:r>
-            <a:r>
-              <a:rPr lang="pt-BR" sz="2400" dirty="0" err="1">
-                <a:solidFill>
-                  <a:srgbClr val="FF0000"/>
-                </a:solidFill>
-              </a:rPr>
-              <a:t>shared</a:t>
-            </a:r>
-            <a:r>
-              <a:rPr lang="pt-BR" sz="2400" dirty="0">
-                <a:solidFill>
-                  <a:srgbClr val="FF0000"/>
-                </a:solidFill>
-              </a:rPr>
-              <a:t>, </a:t>
-            </a:r>
-            <a:r>
-              <a:rPr lang="pt-BR" sz="2400" dirty="0" err="1">
-                <a:solidFill>
-                  <a:srgbClr val="FF0000"/>
-                </a:solidFill>
-              </a:rPr>
-              <a:t>private</a:t>
-            </a:r>
-            <a:r>
-              <a:rPr lang="pt-BR" sz="2400" dirty="0">
-                <a:solidFill>
-                  <a:srgbClr val="FF0000"/>
-                </a:solidFill>
-              </a:rPr>
-              <a:t>, master, for, etc..-</a:t>
-            </a:r>
-            <a:r>
-              <a:rPr lang="pt-BR" sz="2400" dirty="0"/>
-              <a:t> consegui implementar uma versão do segundo método(sem os blocos extras) cujos testes acima se mostraram mais rápidos que com blocos extras. </a:t>
-            </a:r>
-          </a:p>
-          <a:p>
-            <a:endParaRPr lang="pt-BR" sz="2400" dirty="0"/>
-          </a:p>
-          <a:p>
-            <a:r>
-              <a:rPr lang="pt-BR" sz="2400" dirty="0"/>
-              <a:t>3) O entendimento detalhado e profundo das várias diretivas de </a:t>
-            </a:r>
-            <a:r>
-              <a:rPr lang="pt-BR" sz="2400" dirty="0" err="1"/>
-              <a:t>OpenMP</a:t>
-            </a:r>
-            <a:r>
-              <a:rPr lang="pt-BR" sz="2400" dirty="0"/>
-              <a:t>, leva tempo e prática.</a:t>
-            </a:r>
-          </a:p>
-          <a:p>
-            <a:endParaRPr lang="pt-BR" sz="2400" dirty="0"/>
-          </a:p>
-          <a:p>
-            <a:r>
-              <a:rPr lang="pt-BR" sz="2400" dirty="0"/>
-              <a:t>4) Na último parágrafo da dissertação foi dito que a computação daqueles resultados levaram vários meses, logo é imperativo o uso de MPI ou MPI + </a:t>
-            </a:r>
-            <a:r>
-              <a:rPr lang="pt-BR" sz="2400" dirty="0" err="1"/>
-              <a:t>OpenMP</a:t>
-            </a:r>
-            <a:r>
-              <a:rPr lang="pt-BR" sz="2400" dirty="0"/>
-              <a:t> em projetos similares como este no futuro.</a:t>
-            </a:r>
-          </a:p>
-          <a:p>
-            <a:endParaRPr lang="pt-BR" sz="2400" dirty="0"/>
-          </a:p>
-        </p:txBody>
-      </p:sp>
+      <mc:AlternateContent xmlns:mc="http://schemas.openxmlformats.org/markup-compatibility/2006" xmlns:a14="http://schemas.microsoft.com/office/drawing/2010/main">
+        <mc:Choice Requires="a14">
+          <p:sp>
+            <p:nvSpPr>
+              <p:cNvPr id="3" name="Espaço Reservado para Conteúdo 2">
+                <a:extLst>
+                  <a:ext uri="{FF2B5EF4-FFF2-40B4-BE49-F238E27FC236}">
+                    <a16:creationId xmlns:a16="http://schemas.microsoft.com/office/drawing/2014/main" id="{8CCDC50A-FBC9-403E-8658-C80E776FB453}"/>
+                  </a:ext>
+                </a:extLst>
+              </p:cNvPr>
+              <p:cNvSpPr>
+                <a:spLocks noGrp="1"/>
+              </p:cNvSpPr>
+              <p:nvPr>
+                <p:ph idx="1"/>
+              </p:nvPr>
+            </p:nvSpPr>
+            <p:spPr>
+              <a:xfrm>
+                <a:off x="-1" y="827905"/>
+                <a:ext cx="12191999" cy="6030096"/>
+              </a:xfrm>
+            </p:spPr>
+            <p:txBody>
+              <a:bodyPr>
+                <a:normAutofit/>
+              </a:bodyPr>
+              <a:lstStyle/>
+              <a:p>
+                <a:pPr marL="0" indent="0">
+                  <a:buNone/>
+                </a:pPr>
+                <a:r>
+                  <a:rPr lang="pt-BR" sz="2400" dirty="0" smtClean="0"/>
+                  <a:t>1) Há vários outros métodos para resolver a equação de Burger</a:t>
+                </a:r>
+                <a:endParaRPr lang="pt-BR" sz="2400" dirty="0"/>
+              </a:p>
+              <a:p>
+                <a:pPr marL="0" indent="0">
+                  <a:buNone/>
+                </a:pPr>
+                <a:r>
+                  <a:rPr lang="pt-BR" sz="2400" dirty="0"/>
+                  <a:t>2</a:t>
+                </a:r>
+                <a:r>
+                  <a:rPr lang="pt-BR" sz="2400" dirty="0" smtClean="0"/>
+                  <a:t>) O código serial e paralelo em C/C++ foi adaptado do código em </a:t>
+                </a:r>
+                <a:r>
+                  <a:rPr lang="pt-BR" sz="2400" dirty="0" err="1" smtClean="0"/>
+                  <a:t>MatLab</a:t>
+                </a:r>
+                <a:r>
+                  <a:rPr lang="pt-BR" sz="2400" dirty="0" smtClean="0"/>
+                  <a:t> extraído do livro    	</a:t>
+                </a:r>
+                <a:r>
+                  <a:rPr lang="en-US" sz="2400" dirty="0" smtClean="0">
+                    <a:solidFill>
+                      <a:srgbClr val="0070C0"/>
+                    </a:solidFill>
+                  </a:rPr>
+                  <a:t>Numerical Analysis – 2ª edition  de </a:t>
+                </a:r>
+                <a:r>
+                  <a:rPr lang="en-US" sz="2400" dirty="0">
+                    <a:solidFill>
+                      <a:srgbClr val="0070C0"/>
+                    </a:solidFill>
+                  </a:rPr>
+                  <a:t>Timothy </a:t>
+                </a:r>
+                <a:r>
+                  <a:rPr lang="en-US" sz="2400" dirty="0" smtClean="0">
+                    <a:solidFill>
+                      <a:srgbClr val="0070C0"/>
+                    </a:solidFill>
+                  </a:rPr>
+                  <a:t>Sauer.</a:t>
+                </a:r>
+                <a:endParaRPr lang="pt-BR" sz="2400" dirty="0"/>
+              </a:p>
+              <a:p>
+                <a:pPr marL="0" indent="0">
+                  <a:buNone/>
+                </a:pPr>
+                <a:r>
+                  <a:rPr lang="pt-BR" sz="2400" dirty="0"/>
+                  <a:t>3</a:t>
+                </a:r>
+                <a:r>
+                  <a:rPr lang="pt-BR" sz="2400" dirty="0" smtClean="0"/>
+                  <a:t>) Os resultados em C/C++ foram idênticos ou superiores em precisão(menor erro) quando comparado com os resultados do </a:t>
+                </a:r>
+                <a:r>
+                  <a:rPr lang="pt-BR" sz="2400" dirty="0" err="1" smtClean="0"/>
+                  <a:t>MatLab</a:t>
+                </a:r>
+                <a:endParaRPr lang="pt-BR" sz="2400" dirty="0"/>
+              </a:p>
+              <a:p>
+                <a:pPr marL="0" indent="0">
+                  <a:buNone/>
+                </a:pPr>
+                <a:r>
+                  <a:rPr lang="pt-BR" sz="2400" dirty="0"/>
+                  <a:t>4</a:t>
+                </a:r>
+                <a:r>
+                  <a:rPr lang="pt-BR" sz="2400" dirty="0" smtClean="0"/>
+                  <a:t>) Foi usado uma malha pequena 101x101, log não houve diferença no tempo entre </a:t>
+                </a:r>
+                <a:r>
+                  <a:rPr lang="pt-BR" sz="2400" dirty="0" err="1" smtClean="0"/>
+                  <a:t>MatLab</a:t>
+                </a:r>
+                <a:r>
+                  <a:rPr lang="pt-BR" sz="2400" dirty="0" smtClean="0"/>
+                  <a:t>, serial C/C++ e paralelo C/C++</a:t>
+                </a:r>
+              </a:p>
+              <a:p>
+                <a:pPr marL="0" indent="0">
+                  <a:buNone/>
+                </a:pPr>
+                <a:r>
+                  <a:rPr lang="pt-BR" sz="2400" dirty="0" smtClean="0"/>
+                  <a:t>5) A linguagem C/C+ não tem biblioteca padrão de vetores e matrizes, então tivemos que criar no “braço”, no código funções que criam vetores e matrizes, rotinas que somam e multiplicam vetores e matrizes(tanto por escalar, ou por vetores e ou por matrizes).</a:t>
+                </a:r>
+                <a:r>
+                  <a:rPr lang="pt-BR" sz="2400" dirty="0"/>
+                  <a:t> </a:t>
+                </a:r>
+                <a:endParaRPr lang="pt-BR" sz="2400" dirty="0" smtClean="0"/>
+              </a:p>
+              <a:p>
+                <a:pPr marL="0" indent="0">
+                  <a:buNone/>
+                </a:pPr>
+                <a:endParaRPr lang="pt-BR" sz="2400" dirty="0" smtClean="0"/>
+              </a:p>
+              <a:p>
+                <a:pPr marL="0" indent="0">
+                  <a:buNone/>
+                </a:pPr>
+                <a:r>
+                  <a:rPr lang="pt-BR" sz="2400" dirty="0" smtClean="0"/>
+                  <a:t>6) Foi feito 6 iterações do </a:t>
+                </a:r>
+                <a:r>
+                  <a:rPr lang="pt-BR" sz="2400" dirty="0"/>
+                  <a:t>método de Newton </a:t>
+                </a:r>
+                <a14:m>
+                  <m:oMath xmlns:m="http://schemas.openxmlformats.org/officeDocument/2006/math">
+                    <m:sSub>
+                      <m:sSubPr>
+                        <m:ctrlPr>
+                          <a:rPr lang="pt-BR" sz="2400" i="1">
+                            <a:solidFill>
+                              <a:srgbClr val="0070C0"/>
+                            </a:solidFill>
+                            <a:latin typeface="Cambria Math" panose="02040503050406030204" pitchFamily="18" charset="0"/>
+                          </a:rPr>
+                        </m:ctrlPr>
+                      </m:sSubPr>
+                      <m:e>
+                        <m:r>
+                          <a:rPr lang="pt-BR" sz="2400" b="1" i="1">
+                            <a:solidFill>
+                              <a:srgbClr val="0070C0"/>
+                            </a:solidFill>
+                            <a:latin typeface="Cambria Math" panose="02040503050406030204" pitchFamily="18" charset="0"/>
+                          </a:rPr>
+                          <m:t>𝑫𝑭</m:t>
+                        </m:r>
+                        <m:r>
+                          <a:rPr lang="pt-BR" sz="2400" i="1">
+                            <a:solidFill>
+                              <a:srgbClr val="0070C0"/>
+                            </a:solidFill>
+                            <a:latin typeface="Cambria Math" panose="02040503050406030204" pitchFamily="18" charset="0"/>
+                          </a:rPr>
+                          <m:t>(</m:t>
+                        </m:r>
+                        <m:sSub>
+                          <m:sSubPr>
+                            <m:ctrlPr>
+                              <a:rPr lang="pt-BR" sz="2400" i="1">
+                                <a:solidFill>
+                                  <a:srgbClr val="0070C0"/>
+                                </a:solidFill>
+                                <a:latin typeface="Cambria Math" panose="02040503050406030204" pitchFamily="18" charset="0"/>
+                              </a:rPr>
+                            </m:ctrlPr>
+                          </m:sSubPr>
+                          <m:e>
+                            <m:r>
+                              <a:rPr lang="pt-BR" sz="2400" b="1" i="1">
+                                <a:solidFill>
+                                  <a:srgbClr val="0070C0"/>
+                                </a:solidFill>
+                                <a:latin typeface="Cambria Math" panose="02040503050406030204" pitchFamily="18" charset="0"/>
+                              </a:rPr>
+                              <m:t>𝒛</m:t>
+                            </m:r>
+                          </m:e>
+                          <m:sub>
+                            <m:r>
+                              <a:rPr lang="pt-BR" sz="2400" i="1">
+                                <a:solidFill>
+                                  <a:srgbClr val="0070C0"/>
+                                </a:solidFill>
+                                <a:latin typeface="Cambria Math" panose="02040503050406030204" pitchFamily="18" charset="0"/>
+                              </a:rPr>
+                              <m:t>𝑗</m:t>
+                            </m:r>
+                            <m:r>
+                              <a:rPr lang="pt-BR" sz="2400" i="1">
+                                <a:solidFill>
+                                  <a:srgbClr val="0070C0"/>
+                                </a:solidFill>
+                                <a:latin typeface="Cambria Math" panose="02040503050406030204" pitchFamily="18" charset="0"/>
+                              </a:rPr>
+                              <m:t>−1</m:t>
+                            </m:r>
+                          </m:sub>
+                        </m:sSub>
+                        <m:r>
+                          <a:rPr lang="pt-BR" sz="2400" i="1">
+                            <a:solidFill>
+                              <a:srgbClr val="0070C0"/>
+                            </a:solidFill>
+                            <a:latin typeface="Cambria Math" panose="02040503050406030204" pitchFamily="18" charset="0"/>
+                          </a:rPr>
+                          <m:t>)(</m:t>
+                        </m:r>
+                        <m:r>
+                          <a:rPr lang="pt-BR" sz="2400" b="1" i="1">
+                            <a:solidFill>
+                              <a:srgbClr val="0070C0"/>
+                            </a:solidFill>
+                            <a:latin typeface="Cambria Math" panose="02040503050406030204" pitchFamily="18" charset="0"/>
+                          </a:rPr>
+                          <m:t>𝒛</m:t>
+                        </m:r>
+                      </m:e>
+                      <m:sub>
+                        <m:r>
+                          <a:rPr lang="pt-BR" sz="2400" i="1">
+                            <a:solidFill>
+                              <a:srgbClr val="0070C0"/>
+                            </a:solidFill>
+                            <a:latin typeface="Cambria Math" panose="02040503050406030204" pitchFamily="18" charset="0"/>
+                          </a:rPr>
+                          <m:t>𝑗</m:t>
+                        </m:r>
+                        <m:r>
+                          <a:rPr lang="pt-BR" sz="2400" i="1">
+                            <a:solidFill>
+                              <a:srgbClr val="0070C0"/>
+                            </a:solidFill>
+                            <a:latin typeface="Cambria Math" panose="02040503050406030204" pitchFamily="18" charset="0"/>
+                          </a:rPr>
+                          <m:t>−1</m:t>
+                        </m:r>
+                      </m:sub>
+                    </m:sSub>
+                    <m:r>
+                      <a:rPr lang="pt-BR" sz="2400" i="1">
+                        <a:solidFill>
+                          <a:srgbClr val="0070C0"/>
+                        </a:solidFill>
+                        <a:latin typeface="Cambria Math" panose="02040503050406030204" pitchFamily="18" charset="0"/>
+                      </a:rPr>
+                      <m:t>−</m:t>
+                    </m:r>
+                    <m:sSub>
+                      <m:sSubPr>
+                        <m:ctrlPr>
+                          <a:rPr lang="pt-BR" sz="2400" i="1">
+                            <a:solidFill>
+                              <a:srgbClr val="0070C0"/>
+                            </a:solidFill>
+                            <a:latin typeface="Cambria Math" panose="02040503050406030204" pitchFamily="18" charset="0"/>
+                          </a:rPr>
+                        </m:ctrlPr>
+                      </m:sSubPr>
+                      <m:e>
+                        <m:r>
+                          <a:rPr lang="pt-BR" sz="2400" b="1" i="1">
+                            <a:solidFill>
+                              <a:srgbClr val="0070C0"/>
+                            </a:solidFill>
+                            <a:latin typeface="Cambria Math" panose="02040503050406030204" pitchFamily="18" charset="0"/>
+                          </a:rPr>
+                          <m:t>𝒛</m:t>
+                        </m:r>
+                      </m:e>
+                      <m:sub>
+                        <m:r>
+                          <a:rPr lang="pt-BR" sz="2400" i="1">
+                            <a:solidFill>
+                              <a:srgbClr val="0070C0"/>
+                            </a:solidFill>
+                            <a:latin typeface="Cambria Math" panose="02040503050406030204" pitchFamily="18" charset="0"/>
+                          </a:rPr>
+                          <m:t>𝑗</m:t>
+                        </m:r>
+                      </m:sub>
+                    </m:sSub>
+                    <m:r>
+                      <a:rPr lang="pt-BR" sz="2400" i="1">
+                        <a:solidFill>
+                          <a:srgbClr val="0070C0"/>
+                        </a:solidFill>
+                        <a:latin typeface="Cambria Math" panose="02040503050406030204" pitchFamily="18" charset="0"/>
+                      </a:rPr>
+                      <m:t>) =</m:t>
+                    </m:r>
+                    <m:r>
+                      <a:rPr lang="pt-BR" sz="2400" b="1" i="1">
+                        <a:solidFill>
+                          <a:srgbClr val="0070C0"/>
+                        </a:solidFill>
+                        <a:latin typeface="Cambria Math" panose="02040503050406030204" pitchFamily="18" charset="0"/>
+                      </a:rPr>
+                      <m:t>𝑭</m:t>
+                    </m:r>
+                    <m:r>
+                      <a:rPr lang="pt-BR" sz="2400" i="1">
+                        <a:solidFill>
+                          <a:srgbClr val="0070C0"/>
+                        </a:solidFill>
+                        <a:latin typeface="Cambria Math" panose="02040503050406030204" pitchFamily="18" charset="0"/>
+                      </a:rPr>
+                      <m:t>(</m:t>
+                    </m:r>
+                    <m:sSub>
+                      <m:sSubPr>
+                        <m:ctrlPr>
+                          <a:rPr lang="pt-BR" sz="2400" i="1">
+                            <a:solidFill>
+                              <a:srgbClr val="0070C0"/>
+                            </a:solidFill>
+                            <a:latin typeface="Cambria Math" panose="02040503050406030204" pitchFamily="18" charset="0"/>
+                          </a:rPr>
+                        </m:ctrlPr>
+                      </m:sSubPr>
+                      <m:e>
+                        <m:r>
+                          <a:rPr lang="pt-BR" sz="2400" b="1" i="1">
+                            <a:solidFill>
+                              <a:srgbClr val="0070C0"/>
+                            </a:solidFill>
+                            <a:latin typeface="Cambria Math" panose="02040503050406030204" pitchFamily="18" charset="0"/>
+                          </a:rPr>
+                          <m:t>𝒛</m:t>
+                        </m:r>
+                      </m:e>
+                      <m:sub>
+                        <m:r>
+                          <a:rPr lang="pt-BR" sz="2400" i="1">
+                            <a:solidFill>
+                              <a:srgbClr val="0070C0"/>
+                            </a:solidFill>
+                            <a:latin typeface="Cambria Math" panose="02040503050406030204" pitchFamily="18" charset="0"/>
+                          </a:rPr>
+                          <m:t>𝑗</m:t>
+                        </m:r>
+                        <m:r>
+                          <a:rPr lang="pt-BR" sz="2400" i="1">
+                            <a:solidFill>
+                              <a:srgbClr val="0070C0"/>
+                            </a:solidFill>
+                            <a:latin typeface="Cambria Math" panose="02040503050406030204" pitchFamily="18" charset="0"/>
+                          </a:rPr>
+                          <m:t>−1</m:t>
+                        </m:r>
+                      </m:sub>
+                    </m:sSub>
+                    <m:r>
+                      <a:rPr lang="pt-BR" sz="2400" i="1">
+                        <a:solidFill>
+                          <a:srgbClr val="0070C0"/>
+                        </a:solidFill>
+                        <a:latin typeface="Cambria Math" panose="02040503050406030204" pitchFamily="18" charset="0"/>
+                      </a:rPr>
+                      <m:t>)</m:t>
+                    </m:r>
+                  </m:oMath>
+                </a14:m>
+                <a:r>
+                  <a:rPr lang="pt-BR" sz="2400" dirty="0"/>
+                  <a:t>,</a:t>
+                </a:r>
+                <a14:m>
+                  <m:oMath xmlns:m="http://schemas.openxmlformats.org/officeDocument/2006/math">
+                    <m:r>
+                      <a:rPr lang="pt-BR" sz="2400">
+                        <a:solidFill>
+                          <a:srgbClr val="0070C0"/>
+                        </a:solidFill>
+                        <a:latin typeface="Cambria Math" panose="02040503050406030204" pitchFamily="18" charset="0"/>
+                      </a:rPr>
+                      <m:t>   </m:t>
+                    </m:r>
+                    <m:sSub>
+                      <m:sSubPr>
+                        <m:ctrlPr>
+                          <a:rPr lang="pt-BR" sz="2400" i="1">
+                            <a:solidFill>
+                              <a:srgbClr val="0070C0"/>
+                            </a:solidFill>
+                            <a:latin typeface="Cambria Math" panose="02040503050406030204" pitchFamily="18" charset="0"/>
+                          </a:rPr>
+                        </m:ctrlPr>
+                      </m:sSubPr>
+                      <m:e>
+                        <m:r>
+                          <a:rPr lang="pt-BR" sz="2400" b="1" i="1">
+                            <a:solidFill>
+                              <a:srgbClr val="0070C0"/>
+                            </a:solidFill>
+                            <a:latin typeface="Cambria Math" panose="02040503050406030204" pitchFamily="18" charset="0"/>
+                          </a:rPr>
+                          <m:t>𝒔</m:t>
+                        </m:r>
+                        <m:r>
+                          <a:rPr lang="pt-BR" sz="2400" b="1" i="1">
+                            <a:solidFill>
+                              <a:srgbClr val="0070C0"/>
+                            </a:solidFill>
+                            <a:latin typeface="Cambria Math" panose="02040503050406030204" pitchFamily="18" charset="0"/>
+                          </a:rPr>
+                          <m:t>=</m:t>
+                        </m:r>
+                        <m:r>
+                          <a:rPr lang="pt-BR" sz="2400" b="1" i="1">
+                            <a:solidFill>
+                              <a:srgbClr val="0070C0"/>
+                            </a:solidFill>
+                            <a:latin typeface="Cambria Math" panose="02040503050406030204" pitchFamily="18" charset="0"/>
+                          </a:rPr>
+                          <m:t>𝒛</m:t>
+                        </m:r>
+                      </m:e>
+                      <m:sub>
+                        <m:r>
+                          <a:rPr lang="pt-BR" sz="2400" i="1">
+                            <a:solidFill>
+                              <a:srgbClr val="0070C0"/>
+                            </a:solidFill>
+                            <a:latin typeface="Cambria Math" panose="02040503050406030204" pitchFamily="18" charset="0"/>
+                          </a:rPr>
+                          <m:t>𝑗</m:t>
+                        </m:r>
+                        <m:r>
+                          <a:rPr lang="pt-BR" sz="2400" i="1">
+                            <a:solidFill>
+                              <a:srgbClr val="0070C0"/>
+                            </a:solidFill>
+                            <a:latin typeface="Cambria Math" panose="02040503050406030204" pitchFamily="18" charset="0"/>
+                          </a:rPr>
+                          <m:t>−1</m:t>
+                        </m:r>
+                      </m:sub>
+                    </m:sSub>
+                    <m:r>
+                      <a:rPr lang="pt-BR" sz="2400" i="1">
+                        <a:solidFill>
+                          <a:srgbClr val="0070C0"/>
+                        </a:solidFill>
+                        <a:latin typeface="Cambria Math" panose="02040503050406030204" pitchFamily="18" charset="0"/>
+                      </a:rPr>
+                      <m:t>−</m:t>
+                    </m:r>
+                    <m:sSub>
+                      <m:sSubPr>
+                        <m:ctrlPr>
+                          <a:rPr lang="pt-BR" sz="2400" i="1">
+                            <a:solidFill>
+                              <a:srgbClr val="0070C0"/>
+                            </a:solidFill>
+                            <a:latin typeface="Cambria Math" panose="02040503050406030204" pitchFamily="18" charset="0"/>
+                          </a:rPr>
+                        </m:ctrlPr>
+                      </m:sSubPr>
+                      <m:e>
+                        <m:r>
+                          <a:rPr lang="pt-BR" sz="2400" b="1" i="1">
+                            <a:solidFill>
+                              <a:srgbClr val="0070C0"/>
+                            </a:solidFill>
+                            <a:latin typeface="Cambria Math" panose="02040503050406030204" pitchFamily="18" charset="0"/>
+                          </a:rPr>
+                          <m:t>𝒛</m:t>
+                        </m:r>
+                      </m:e>
+                      <m:sub>
+                        <m:r>
+                          <a:rPr lang="pt-BR" sz="2400" i="1">
+                            <a:solidFill>
+                              <a:srgbClr val="0070C0"/>
+                            </a:solidFill>
+                            <a:latin typeface="Cambria Math" panose="02040503050406030204" pitchFamily="18" charset="0"/>
+                          </a:rPr>
+                          <m:t>𝑗</m:t>
+                        </m:r>
+                        <m:r>
+                          <a:rPr lang="pt-BR" sz="2400" i="1">
+                            <a:solidFill>
+                              <a:srgbClr val="0070C0"/>
+                            </a:solidFill>
+                            <a:latin typeface="Cambria Math" panose="02040503050406030204" pitchFamily="18" charset="0"/>
+                          </a:rPr>
+                          <m:t>     </m:t>
+                        </m:r>
+                      </m:sub>
+                    </m:sSub>
+                  </m:oMath>
+                </a14:m>
+                <a:endParaRPr lang="pt-BR" sz="2400" dirty="0" smtClean="0"/>
+              </a:p>
+              <a:p>
+                <a:pPr marL="0" indent="0">
+                  <a:buNone/>
+                </a:pPr>
+                <a:endParaRPr lang="pt-BR" sz="2400" dirty="0" smtClean="0"/>
+              </a:p>
+              <a:p>
+                <a:pPr marL="0" indent="0">
+                  <a:buNone/>
+                </a:pPr>
+                <a:r>
+                  <a:rPr lang="pt-BR" sz="2400" dirty="0" smtClean="0"/>
+                  <a:t>7) No método de Jacobi foi feito 80 iterações para achar s no sistema</a:t>
+                </a:r>
+                <a14:m>
+                  <m:oMath xmlns:m="http://schemas.openxmlformats.org/officeDocument/2006/math">
+                    <m:r>
+                      <a:rPr lang="pt-BR" sz="2400" b="0" i="0" smtClean="0">
+                        <a:solidFill>
+                          <a:srgbClr val="0070C0"/>
+                        </a:solidFill>
+                        <a:latin typeface="Cambria Math" panose="02040503050406030204" pitchFamily="18" charset="0"/>
+                      </a:rPr>
+                      <m:t> </m:t>
+                    </m:r>
+                    <m:r>
+                      <a:rPr lang="pt-BR" sz="2400" b="1" i="1">
+                        <a:solidFill>
+                          <a:srgbClr val="0070C0"/>
+                        </a:solidFill>
+                        <a:latin typeface="Cambria Math" panose="02040503050406030204" pitchFamily="18" charset="0"/>
+                      </a:rPr>
+                      <m:t>𝑫𝑭</m:t>
+                    </m:r>
+                    <m:d>
+                      <m:dPr>
+                        <m:ctrlPr>
+                          <a:rPr lang="pt-BR" sz="2400" i="1">
+                            <a:solidFill>
+                              <a:srgbClr val="0070C0"/>
+                            </a:solidFill>
+                            <a:latin typeface="Cambria Math" panose="02040503050406030204" pitchFamily="18" charset="0"/>
+                          </a:rPr>
+                        </m:ctrlPr>
+                      </m:dPr>
+                      <m:e>
+                        <m:sSub>
+                          <m:sSubPr>
+                            <m:ctrlPr>
+                              <a:rPr lang="pt-BR" sz="2400" i="1">
+                                <a:solidFill>
+                                  <a:srgbClr val="0070C0"/>
+                                </a:solidFill>
+                                <a:latin typeface="Cambria Math" panose="02040503050406030204" pitchFamily="18" charset="0"/>
+                              </a:rPr>
+                            </m:ctrlPr>
+                          </m:sSubPr>
+                          <m:e>
+                            <m:r>
+                              <a:rPr lang="pt-BR" sz="2400" b="1" i="1">
+                                <a:solidFill>
+                                  <a:srgbClr val="0070C0"/>
+                                </a:solidFill>
+                                <a:latin typeface="Cambria Math" panose="02040503050406030204" pitchFamily="18" charset="0"/>
+                              </a:rPr>
+                              <m:t>𝒛</m:t>
+                            </m:r>
+                          </m:e>
+                          <m:sub>
+                            <m:r>
+                              <a:rPr lang="pt-BR" sz="2400" i="1">
+                                <a:solidFill>
+                                  <a:srgbClr val="0070C0"/>
+                                </a:solidFill>
+                                <a:latin typeface="Cambria Math" panose="02040503050406030204" pitchFamily="18" charset="0"/>
+                              </a:rPr>
+                              <m:t>𝑗</m:t>
+                            </m:r>
+                            <m:r>
+                              <a:rPr lang="pt-BR" sz="2400" i="1">
+                                <a:solidFill>
+                                  <a:srgbClr val="0070C0"/>
+                                </a:solidFill>
+                                <a:latin typeface="Cambria Math" panose="02040503050406030204" pitchFamily="18" charset="0"/>
+                              </a:rPr>
+                              <m:t>−1</m:t>
+                            </m:r>
+                          </m:sub>
+                        </m:sSub>
+                      </m:e>
+                    </m:d>
+                    <m:r>
+                      <a:rPr lang="pt-BR" sz="2400" i="1">
+                        <a:solidFill>
+                          <a:srgbClr val="0070C0"/>
+                        </a:solidFill>
+                        <a:latin typeface="Cambria Math" panose="02040503050406030204" pitchFamily="18" charset="0"/>
+                      </a:rPr>
+                      <m:t>∗</m:t>
+                    </m:r>
+                    <m:r>
+                      <a:rPr lang="pt-BR" sz="2400" b="1" i="1">
+                        <a:solidFill>
+                          <a:srgbClr val="0070C0"/>
+                        </a:solidFill>
+                        <a:latin typeface="Cambria Math" panose="02040503050406030204" pitchFamily="18" charset="0"/>
+                      </a:rPr>
+                      <m:t>𝒔</m:t>
+                    </m:r>
+                    <m:r>
+                      <a:rPr lang="pt-BR" sz="2400" i="1">
+                        <a:solidFill>
+                          <a:srgbClr val="0070C0"/>
+                        </a:solidFill>
+                        <a:latin typeface="Cambria Math" panose="02040503050406030204" pitchFamily="18" charset="0"/>
+                      </a:rPr>
+                      <m:t>=</m:t>
+                    </m:r>
+                    <m:r>
+                      <a:rPr lang="pt-BR" sz="2400" b="1" i="1">
+                        <a:solidFill>
+                          <a:srgbClr val="0070C0"/>
+                        </a:solidFill>
+                        <a:latin typeface="Cambria Math" panose="02040503050406030204" pitchFamily="18" charset="0"/>
+                      </a:rPr>
+                      <m:t>𝑭</m:t>
+                    </m:r>
+                    <m:r>
+                      <a:rPr lang="pt-BR" sz="2400" i="1">
+                        <a:solidFill>
+                          <a:srgbClr val="0070C0"/>
+                        </a:solidFill>
+                        <a:latin typeface="Cambria Math" panose="02040503050406030204" pitchFamily="18" charset="0"/>
+                      </a:rPr>
+                      <m:t>(</m:t>
+                    </m:r>
+                    <m:sSub>
+                      <m:sSubPr>
+                        <m:ctrlPr>
+                          <a:rPr lang="pt-BR" sz="2400" i="1">
+                            <a:solidFill>
+                              <a:srgbClr val="0070C0"/>
+                            </a:solidFill>
+                            <a:latin typeface="Cambria Math" panose="02040503050406030204" pitchFamily="18" charset="0"/>
+                          </a:rPr>
+                        </m:ctrlPr>
+                      </m:sSubPr>
+                      <m:e>
+                        <m:r>
+                          <a:rPr lang="pt-BR" sz="2400" b="1" i="1">
+                            <a:solidFill>
+                              <a:srgbClr val="0070C0"/>
+                            </a:solidFill>
+                            <a:latin typeface="Cambria Math" panose="02040503050406030204" pitchFamily="18" charset="0"/>
+                          </a:rPr>
+                          <m:t>𝒛</m:t>
+                        </m:r>
+                      </m:e>
+                      <m:sub>
+                        <m:r>
+                          <a:rPr lang="pt-BR" sz="2400" i="1">
+                            <a:solidFill>
+                              <a:srgbClr val="0070C0"/>
+                            </a:solidFill>
+                            <a:latin typeface="Cambria Math" panose="02040503050406030204" pitchFamily="18" charset="0"/>
+                          </a:rPr>
+                          <m:t>𝑗</m:t>
+                        </m:r>
+                        <m:r>
+                          <a:rPr lang="pt-BR" sz="2400" i="1">
+                            <a:solidFill>
+                              <a:srgbClr val="0070C0"/>
+                            </a:solidFill>
+                            <a:latin typeface="Cambria Math" panose="02040503050406030204" pitchFamily="18" charset="0"/>
+                          </a:rPr>
+                          <m:t>−1</m:t>
+                        </m:r>
+                      </m:sub>
+                    </m:sSub>
+                    <m:r>
+                      <a:rPr lang="pt-BR" sz="2400" i="1">
+                        <a:solidFill>
+                          <a:srgbClr val="0070C0"/>
+                        </a:solidFill>
+                        <a:latin typeface="Cambria Math" panose="02040503050406030204" pitchFamily="18" charset="0"/>
+                      </a:rPr>
+                      <m:t>)</m:t>
+                    </m:r>
+                  </m:oMath>
+                </a14:m>
+                <a:endParaRPr lang="pt-BR" sz="2400" dirty="0" smtClean="0"/>
+              </a:p>
+              <a:p>
+                <a:endParaRPr lang="pt-BR" sz="2400" dirty="0" smtClean="0"/>
+              </a:p>
+            </p:txBody>
+          </p:sp>
+        </mc:Choice>
+        <mc:Fallback xmlns="">
+          <p:sp>
+            <p:nvSpPr>
+              <p:cNvPr id="3" name="Espaço Reservado para Conteúdo 2">
+                <a:extLst>
+                  <a:ext uri="{FF2B5EF4-FFF2-40B4-BE49-F238E27FC236}">
+                    <a16:creationId xmlns:a16="http://schemas.microsoft.com/office/drawing/2014/main" id="{8CCDC50A-FBC9-403E-8658-C80E776FB453}"/>
+                  </a:ext>
+                </a:extLst>
+              </p:cNvPr>
+              <p:cNvSpPr>
+                <a:spLocks noGrp="1" noRot="1" noChangeAspect="1" noMove="1" noResize="1" noEditPoints="1" noAdjustHandles="1" noChangeArrowheads="1" noChangeShapeType="1" noTextEdit="1"/>
+              </p:cNvSpPr>
+              <p:nvPr>
+                <p:ph idx="1"/>
+              </p:nvPr>
+            </p:nvSpPr>
+            <p:spPr>
+              <a:xfrm>
+                <a:off x="-1" y="827905"/>
+                <a:ext cx="12191999" cy="6030096"/>
+              </a:xfrm>
+              <a:blipFill>
+                <a:blip r:embed="rId2"/>
+                <a:stretch>
+                  <a:fillRect l="-750" t="-1416" r="-1200"/>
+                </a:stretch>
+              </a:blipFill>
+            </p:spPr>
+            <p:txBody>
+              <a:bodyPr/>
+              <a:lstStyle/>
+              <a:p>
+                <a:r>
+                  <a:rPr lang="pt-BR">
+                    <a:noFill/>
+                  </a:rPr>
+                  <a:t> </a:t>
+                </a:r>
+              </a:p>
+            </p:txBody>
+          </p:sp>
+        </mc:Fallback>
+      </mc:AlternateContent>
     </p:spTree>
     <p:extLst>
       <p:ext uri="{BB962C8B-B14F-4D97-AF65-F5344CB8AC3E}">
@@ -3780,7 +6795,7 @@
 </p:sld>
 </file>
 
-<file path=ppt/slides/slide11.xml><?xml version="1.0" encoding="utf-8"?>
+<file path=ppt/slides/slide16.xml><?xml version="1.0" encoding="utf-8"?>
 <p:sld xmlns:a="http://schemas.openxmlformats.org/drawingml/2006/main" xmlns:r="http://schemas.openxmlformats.org/officeDocument/2006/relationships" xmlns:p="http://schemas.openxmlformats.org/presentationml/2006/main">
   <p:cSld>
     <p:spTree>
@@ -3869,30 +6884,29 @@
         </p:nvSpPr>
         <p:spPr>
           <a:xfrm>
-            <a:off x="0" y="1825625"/>
-            <a:ext cx="12191999" cy="4351338"/>
+            <a:off x="0" y="1075038"/>
+            <a:ext cx="12191999" cy="5684108"/>
           </a:xfrm>
         </p:spPr>
         <p:txBody>
           <a:bodyPr>
-            <a:normAutofit/>
+            <a:noAutofit/>
           </a:bodyPr>
           <a:lstStyle/>
           <a:p>
-            <a:r>
-              <a:rPr lang="pt-BR" sz="2400" dirty="0"/>
-              <a:t>1)</a:t>
-            </a:r>
-            <a:r>
-              <a:rPr lang="pt-BR" sz="2400" dirty="0">
-                <a:solidFill>
-                  <a:srgbClr val="0070C0"/>
-                </a:solidFill>
-              </a:rPr>
-              <a:t> </a:t>
-            </a:r>
-            <a:r>
-              <a:rPr lang="pt-BR" sz="2400" dirty="0">
+            <a:pPr marL="0" indent="0">
+              <a:buNone/>
+            </a:pPr>
+            <a:r>
+              <a:rPr lang="pt-BR" sz="2000" dirty="0">
+                <a:solidFill>
+                  <a:srgbClr val="0070C0"/>
+                </a:solidFill>
+              </a:rPr>
+              <a:t>1) </a:t>
+            </a:r>
+            <a:r>
+              <a:rPr lang="pt-BR" sz="2000" dirty="0">
                 <a:solidFill>
                   <a:srgbClr val="0070C0"/>
                 </a:solidFill>
@@ -3904,36 +6918,14 @@
                   </a:extLst>
                 </a:hlinkClick>
               </a:rPr>
-              <a:t>https://phkonzen.github.io/notas/MatematicaNumericaParalela/main.html</a:t>
-            </a:r>
-            <a:endParaRPr lang="pt-BR" sz="2400" dirty="0">
-              <a:solidFill>
-                <a:srgbClr val="0070C0"/>
-              </a:solidFill>
-            </a:endParaRPr>
-          </a:p>
-          <a:p>
-            <a:endParaRPr lang="pt-BR" sz="2400" dirty="0">
-              <a:solidFill>
-                <a:srgbClr val="0070C0"/>
-              </a:solidFill>
-            </a:endParaRPr>
-          </a:p>
-          <a:p>
-            <a:r>
-              <a:rPr lang="pt-BR" sz="2400" dirty="0">
-                <a:solidFill>
-                  <a:srgbClr val="0070C0"/>
-                </a:solidFill>
-              </a:rPr>
-              <a:t>2) </a:t>
-            </a:r>
-            <a:r>
-              <a:rPr lang="pt-BR" sz="2400" dirty="0">
-                <a:solidFill>
-                  <a:srgbClr val="0070C0"/>
-                </a:solidFill>
-                <a:hlinkClick r:id="rId3">
+              <a:t>https://</a:t>
+            </a:r>
+            <a:r>
+              <a:rPr lang="pt-BR" sz="2000" dirty="0" smtClean="0">
+                <a:solidFill>
+                  <a:srgbClr val="0070C0"/>
+                </a:solidFill>
+                <a:hlinkClick r:id="rId2">
                   <a:extLst>
                     <a:ext uri="{A12FA001-AC4F-418D-AE19-62706E023703}">
                       <ahyp:hlinkClr xmlns="" xmlns:ahyp="http://schemas.microsoft.com/office/drawing/2018/hyperlinkcolor" val="tx"/>
@@ -3941,47 +6933,832 @@
                   </a:extLst>
                 </a:hlinkClick>
               </a:rPr>
-              <a:t>https://phkonzen.github.io/notas/</a:t>
-            </a:r>
-            <a:endParaRPr lang="pt-BR" sz="2400" dirty="0">
+              <a:t>phkonzen.github.io/notas/MatematicaNumericaParalela/main.html</a:t>
+            </a:r>
+            <a:endParaRPr lang="pt-BR" sz="2000" dirty="0">
               <a:solidFill>
                 <a:srgbClr val="0070C0"/>
               </a:solidFill>
             </a:endParaRPr>
           </a:p>
           <a:p>
-            <a:endParaRPr lang="pt-BR" sz="2400" dirty="0">
+            <a:pPr marL="0" indent="0">
+              <a:buNone/>
+            </a:pPr>
+            <a:r>
+              <a:rPr lang="pt-BR" sz="2000" dirty="0">
+                <a:solidFill>
+                  <a:srgbClr val="0070C0"/>
+                </a:solidFill>
+              </a:rPr>
+              <a:t>2) </a:t>
+            </a:r>
+            <a:r>
+              <a:rPr lang="pt-BR" sz="2000" dirty="0">
+                <a:solidFill>
+                  <a:srgbClr val="0070C0"/>
+                </a:solidFill>
+                <a:hlinkClick r:id="rId3"/>
+              </a:rPr>
+              <a:t>https://phkonzen.github.io/notas</a:t>
+            </a:r>
+            <a:r>
+              <a:rPr lang="pt-BR" sz="2000" dirty="0" smtClean="0">
+                <a:solidFill>
+                  <a:srgbClr val="0070C0"/>
+                </a:solidFill>
+                <a:hlinkClick r:id="rId3"/>
+              </a:rPr>
+              <a:t>/</a:t>
+            </a:r>
+            <a:endParaRPr lang="pt-BR" sz="2000" dirty="0" smtClean="0">
               <a:solidFill>
                 <a:srgbClr val="0070C0"/>
               </a:solidFill>
             </a:endParaRPr>
           </a:p>
           <a:p>
-            <a:r>
-              <a:rPr lang="pt-BR" sz="2400" dirty="0">
-                <a:solidFill>
-                  <a:srgbClr val="0070C0"/>
-                </a:solidFill>
-              </a:rPr>
-              <a:t>3) https://github.com/Roberto-Hoo/Trabalho-1-Computacao-paralela-23Mar2021</a:t>
-            </a:r>
-          </a:p>
-          <a:p>
-            <a:endParaRPr lang="pt-BR" sz="2400" dirty="0">
+            <a:endParaRPr lang="pt-BR" sz="2000" dirty="0">
               <a:solidFill>
                 <a:srgbClr val="0070C0"/>
               </a:solidFill>
             </a:endParaRPr>
           </a:p>
           <a:p>
-            <a:r>
-              <a:rPr lang="pt-BR" sz="2400" dirty="0">
-                <a:solidFill>
-                  <a:srgbClr val="0070C0"/>
-                </a:solidFill>
-              </a:rPr>
-              <a:t>4) https://github.com/Roberto-Hoo/Tese-RobertoHoo-PZingano-UFRGS-Matematica-2018</a:t>
-            </a:r>
+            <a:pPr marL="0" indent="0">
+              <a:buNone/>
+            </a:pPr>
+            <a:r>
+              <a:rPr lang="pt-BR" sz="2000" dirty="0">
+                <a:solidFill>
+                  <a:srgbClr val="0070C0"/>
+                </a:solidFill>
+              </a:rPr>
+              <a:t>3) </a:t>
+            </a:r>
+            <a:r>
+              <a:rPr lang="pt-BR" sz="2000">
+                <a:solidFill>
+                  <a:srgbClr val="0070C0"/>
+                </a:solidFill>
+                <a:hlinkClick r:id="rId4"/>
+              </a:rPr>
+              <a:t>https</a:t>
+            </a:r>
+            <a:r>
+              <a:rPr lang="pt-BR" sz="2000">
+                <a:solidFill>
+                  <a:srgbClr val="0070C0"/>
+                </a:solidFill>
+                <a:hlinkClick r:id="rId4"/>
+              </a:rPr>
+              <a:t>://https</a:t>
+            </a:r>
+            <a:r>
+              <a:rPr lang="pt-BR" sz="2000">
+                <a:solidFill>
+                  <a:srgbClr val="0070C0"/>
+                </a:solidFill>
+                <a:hlinkClick r:id="rId4"/>
+              </a:rPr>
+              <a:t>://</a:t>
+            </a:r>
+            <a:r>
+              <a:rPr lang="pt-BR" sz="2000" smtClean="0">
+                <a:solidFill>
+                  <a:srgbClr val="0070C0"/>
+                </a:solidFill>
+                <a:hlinkClick r:id="rId4"/>
+              </a:rPr>
+              <a:t>github.com/Roberto-Hoo/Trabalho2-ComputacaoParalela-18maio2021</a:t>
+            </a:r>
+            <a:endParaRPr lang="pt-BR" sz="2000" smtClean="0">
+              <a:solidFill>
+                <a:srgbClr val="0070C0"/>
+              </a:solidFill>
+            </a:endParaRPr>
+          </a:p>
+          <a:p>
+            <a:pPr marL="0" indent="0">
+              <a:buNone/>
+            </a:pPr>
+            <a:endParaRPr lang="pt-BR" sz="2000" dirty="0">
+              <a:solidFill>
+                <a:srgbClr val="0070C0"/>
+              </a:solidFill>
+            </a:endParaRPr>
+          </a:p>
+          <a:p>
+            <a:pPr marL="0" indent="0">
+              <a:buNone/>
+            </a:pPr>
+            <a:r>
+              <a:rPr lang="pt-BR" sz="2000" dirty="0">
+                <a:solidFill>
+                  <a:srgbClr val="0070C0"/>
+                </a:solidFill>
+              </a:rPr>
+              <a:t>4</a:t>
+            </a:r>
+            <a:r>
+              <a:rPr lang="pt-BR" sz="2000" dirty="0" smtClean="0">
+                <a:solidFill>
+                  <a:srgbClr val="0070C0"/>
+                </a:solidFill>
+              </a:rPr>
+              <a:t>)</a:t>
+            </a:r>
+            <a:r>
+              <a:rPr lang="en-US" sz="2000" dirty="0">
+                <a:solidFill>
+                  <a:srgbClr val="0070C0"/>
+                </a:solidFill>
+              </a:rPr>
+              <a:t> Numerical Analysis, 9th </a:t>
+            </a:r>
+            <a:r>
+              <a:rPr lang="en-US" sz="2000" dirty="0" smtClean="0">
+                <a:solidFill>
+                  <a:srgbClr val="0070C0"/>
+                </a:solidFill>
+              </a:rPr>
+              <a:t>edition - </a:t>
+            </a:r>
+            <a:r>
+              <a:rPr lang="en-US" sz="2000" dirty="0">
+                <a:solidFill>
+                  <a:srgbClr val="0070C0"/>
+                </a:solidFill>
+              </a:rPr>
+              <a:t>Richard L. Burden, J. Douglas </a:t>
+            </a:r>
+            <a:r>
+              <a:rPr lang="en-US" sz="2000" dirty="0" err="1" smtClean="0">
+                <a:solidFill>
+                  <a:srgbClr val="0070C0"/>
+                </a:solidFill>
+              </a:rPr>
+              <a:t>Faires</a:t>
+            </a:r>
+            <a:endParaRPr lang="en-US" sz="2000" dirty="0" smtClean="0">
+              <a:solidFill>
+                <a:srgbClr val="0070C0"/>
+              </a:solidFill>
+            </a:endParaRPr>
+          </a:p>
+          <a:p>
+            <a:pPr marL="0" indent="0">
+              <a:buNone/>
+            </a:pPr>
+            <a:r>
+              <a:rPr lang="en-US" sz="2000" dirty="0">
+                <a:solidFill>
+                  <a:srgbClr val="0070C0"/>
+                </a:solidFill>
+              </a:rPr>
+              <a:t>5) Numerical </a:t>
+            </a:r>
+            <a:r>
+              <a:rPr lang="en-US" sz="2000" dirty="0" smtClean="0">
+                <a:solidFill>
+                  <a:srgbClr val="0070C0"/>
+                </a:solidFill>
+              </a:rPr>
+              <a:t>Analysis, 2th edition - </a:t>
+            </a:r>
+            <a:r>
+              <a:rPr lang="en-US" sz="2000" dirty="0">
+                <a:solidFill>
+                  <a:srgbClr val="0070C0"/>
+                </a:solidFill>
+              </a:rPr>
+              <a:t>Timothy </a:t>
+            </a:r>
+            <a:r>
+              <a:rPr lang="en-US" sz="2000" dirty="0" smtClean="0">
+                <a:solidFill>
+                  <a:srgbClr val="0070C0"/>
+                </a:solidFill>
+              </a:rPr>
+              <a:t>Sauer</a:t>
+            </a:r>
+          </a:p>
+          <a:p>
+            <a:pPr marL="0" indent="0">
+              <a:buNone/>
+            </a:pPr>
+            <a:r>
+              <a:rPr lang="en-US" sz="2000" dirty="0">
+                <a:solidFill>
+                  <a:srgbClr val="0070C0"/>
+                </a:solidFill>
+              </a:rPr>
+              <a:t>6) Beginning Partial Differential Equations, </a:t>
+            </a:r>
+            <a:r>
+              <a:rPr lang="en-US" sz="2000" dirty="0" smtClean="0">
+                <a:solidFill>
+                  <a:srgbClr val="0070C0"/>
+                </a:solidFill>
+              </a:rPr>
+              <a:t>2th edition - </a:t>
+            </a:r>
+            <a:r>
+              <a:rPr lang="en-US" sz="2000" dirty="0">
+                <a:solidFill>
+                  <a:srgbClr val="0070C0"/>
+                </a:solidFill>
+              </a:rPr>
+              <a:t>Peter V. </a:t>
+            </a:r>
+            <a:r>
+              <a:rPr lang="en-US" sz="2000" dirty="0" err="1" smtClean="0">
+                <a:solidFill>
+                  <a:srgbClr val="0070C0"/>
+                </a:solidFill>
+              </a:rPr>
+              <a:t>Oneil</a:t>
+            </a:r>
+            <a:endParaRPr lang="en-US" sz="2000" dirty="0" smtClean="0">
+              <a:solidFill>
+                <a:srgbClr val="0070C0"/>
+              </a:solidFill>
+            </a:endParaRPr>
+          </a:p>
+          <a:p>
+            <a:endParaRPr lang="en-US" sz="2000" dirty="0" smtClean="0">
+              <a:solidFill>
+                <a:srgbClr val="0070C0"/>
+              </a:solidFill>
+            </a:endParaRPr>
+          </a:p>
+          <a:p>
+            <a:pPr marL="0" indent="0">
+              <a:buNone/>
+            </a:pPr>
+            <a:r>
+              <a:rPr lang="en-US" sz="2000" dirty="0" smtClean="0">
+                <a:solidFill>
+                  <a:srgbClr val="0070C0"/>
+                </a:solidFill>
+              </a:rPr>
+              <a:t>7) </a:t>
+            </a:r>
+            <a:r>
+              <a:rPr lang="pt-BR" sz="2000" dirty="0" smtClean="0">
+                <a:solidFill>
+                  <a:srgbClr val="0070C0"/>
+                </a:solidFill>
+              </a:rPr>
+              <a:t> </a:t>
+            </a:r>
+            <a:r>
+              <a:rPr lang="pt-BR" sz="2000" dirty="0" err="1" smtClean="0">
+                <a:solidFill>
+                  <a:srgbClr val="0070C0"/>
+                </a:solidFill>
+              </a:rPr>
+              <a:t>Efficient</a:t>
+            </a:r>
+            <a:r>
+              <a:rPr lang="pt-BR" sz="2000" dirty="0" smtClean="0">
+                <a:solidFill>
+                  <a:srgbClr val="0070C0"/>
+                </a:solidFill>
+              </a:rPr>
+              <a:t> </a:t>
+            </a:r>
+            <a:r>
+              <a:rPr lang="pt-BR" sz="2000" dirty="0" err="1" smtClean="0">
+                <a:solidFill>
+                  <a:srgbClr val="0070C0"/>
+                </a:solidFill>
+              </a:rPr>
+              <a:t>numerical</a:t>
+            </a:r>
+            <a:r>
+              <a:rPr lang="pt-BR" sz="2000" dirty="0" smtClean="0">
+                <a:solidFill>
+                  <a:srgbClr val="0070C0"/>
+                </a:solidFill>
+              </a:rPr>
+              <a:t> </a:t>
+            </a:r>
+            <a:r>
+              <a:rPr lang="pt-BR" sz="2000" dirty="0" err="1" smtClean="0">
+                <a:solidFill>
+                  <a:srgbClr val="0070C0"/>
+                </a:solidFill>
+              </a:rPr>
+              <a:t>techniques</a:t>
+            </a:r>
+            <a:r>
+              <a:rPr lang="pt-BR" sz="2000" dirty="0" smtClean="0">
+                <a:solidFill>
+                  <a:srgbClr val="0070C0"/>
+                </a:solidFill>
+              </a:rPr>
+              <a:t> for </a:t>
+            </a:r>
+            <a:r>
+              <a:rPr lang="pt-BR" sz="2000" dirty="0" err="1" smtClean="0">
+                <a:solidFill>
+                  <a:srgbClr val="0070C0"/>
+                </a:solidFill>
+              </a:rPr>
+              <a:t>Burgers</a:t>
+            </a:r>
+            <a:r>
+              <a:rPr lang="pt-BR" sz="2000" dirty="0" smtClean="0">
+                <a:solidFill>
+                  <a:srgbClr val="0070C0"/>
+                </a:solidFill>
+              </a:rPr>
+              <a:t>’ </a:t>
+            </a:r>
+            <a:r>
+              <a:rPr lang="pt-BR" sz="2000" dirty="0" err="1" smtClean="0">
+                <a:solidFill>
+                  <a:srgbClr val="0070C0"/>
+                </a:solidFill>
+              </a:rPr>
+              <a:t>equation</a:t>
+            </a:r>
+            <a:r>
+              <a:rPr lang="pt-BR" sz="2000" dirty="0" smtClean="0">
+                <a:solidFill>
+                  <a:srgbClr val="0070C0"/>
+                </a:solidFill>
+              </a:rPr>
+              <a:t> – </a:t>
+            </a:r>
+            <a:r>
+              <a:rPr lang="pt-BR" sz="2000" dirty="0" err="1" smtClean="0">
+                <a:solidFill>
+                  <a:srgbClr val="0070C0"/>
+                </a:solidFill>
+              </a:rPr>
+              <a:t>Vijitha</a:t>
+            </a:r>
+            <a:r>
+              <a:rPr lang="pt-BR" sz="2000" dirty="0" smtClean="0">
+                <a:solidFill>
+                  <a:srgbClr val="0070C0"/>
+                </a:solidFill>
+              </a:rPr>
+              <a:t> </a:t>
+            </a:r>
+            <a:r>
+              <a:rPr lang="pt-BR" sz="2000" dirty="0" err="1" smtClean="0">
+                <a:solidFill>
+                  <a:srgbClr val="0070C0"/>
+                </a:solidFill>
+              </a:rPr>
+              <a:t>Mukundan</a:t>
+            </a:r>
+            <a:r>
+              <a:rPr lang="pt-BR" sz="2000" dirty="0" smtClean="0">
+                <a:solidFill>
+                  <a:srgbClr val="0070C0"/>
+                </a:solidFill>
+              </a:rPr>
+              <a:t>, </a:t>
+            </a:r>
+            <a:r>
+              <a:rPr lang="pt-BR" sz="2000" dirty="0" err="1" smtClean="0">
+                <a:solidFill>
+                  <a:srgbClr val="0070C0"/>
+                </a:solidFill>
+              </a:rPr>
+              <a:t>Ashish</a:t>
+            </a:r>
+            <a:r>
+              <a:rPr lang="pt-BR" sz="2000" dirty="0" smtClean="0">
+                <a:solidFill>
+                  <a:srgbClr val="0070C0"/>
+                </a:solidFill>
+              </a:rPr>
+              <a:t> </a:t>
+            </a:r>
+            <a:r>
+              <a:rPr lang="pt-BR" sz="2000" dirty="0" err="1" smtClean="0">
+                <a:solidFill>
+                  <a:srgbClr val="0070C0"/>
+                </a:solidFill>
+              </a:rPr>
+              <a:t>Awasthi</a:t>
+            </a:r>
+            <a:r>
+              <a:rPr lang="en-US" sz="2000" dirty="0" smtClean="0">
+                <a:solidFill>
+                  <a:srgbClr val="0070C0"/>
+                </a:solidFill>
+              </a:rPr>
+              <a:t> </a:t>
+            </a:r>
+          </a:p>
+          <a:p>
+            <a:pPr marL="0" indent="0">
+              <a:buNone/>
+            </a:pPr>
+            <a:r>
+              <a:rPr lang="en-US" sz="2000" dirty="0" smtClean="0">
+                <a:solidFill>
+                  <a:srgbClr val="0070C0"/>
+                </a:solidFill>
+              </a:rPr>
+              <a:t>8)  A </a:t>
+            </a:r>
+            <a:r>
+              <a:rPr lang="en-US" sz="2000" dirty="0">
+                <a:solidFill>
+                  <a:srgbClr val="0070C0"/>
+                </a:solidFill>
+              </a:rPr>
+              <a:t>systematic literature review of Burgers’ equation with </a:t>
+            </a:r>
+            <a:r>
+              <a:rPr lang="en-US" sz="2000" dirty="0" smtClean="0">
+                <a:solidFill>
+                  <a:srgbClr val="0070C0"/>
+                </a:solidFill>
+              </a:rPr>
+              <a:t>recent </a:t>
+            </a:r>
+            <a:r>
+              <a:rPr lang="pt-BR" sz="2000" dirty="0" err="1" smtClean="0">
+                <a:solidFill>
+                  <a:srgbClr val="0070C0"/>
+                </a:solidFill>
+              </a:rPr>
+              <a:t>advances</a:t>
+            </a:r>
+            <a:r>
+              <a:rPr lang="pt-BR" sz="2000" dirty="0" smtClean="0">
+                <a:solidFill>
+                  <a:srgbClr val="0070C0"/>
+                </a:solidFill>
+              </a:rPr>
+              <a:t> -</a:t>
+            </a:r>
+            <a:r>
+              <a:rPr lang="pt-BR" sz="2000" dirty="0" err="1" smtClean="0">
+                <a:solidFill>
+                  <a:srgbClr val="0070C0"/>
+                </a:solidFill>
+              </a:rPr>
+              <a:t>Mayur</a:t>
+            </a:r>
+            <a:r>
+              <a:rPr lang="pt-BR" sz="2000" dirty="0" smtClean="0">
+                <a:solidFill>
+                  <a:srgbClr val="0070C0"/>
+                </a:solidFill>
+              </a:rPr>
+              <a:t> </a:t>
+            </a:r>
+            <a:r>
+              <a:rPr lang="pt-BR" sz="2000" dirty="0">
+                <a:solidFill>
+                  <a:srgbClr val="0070C0"/>
+                </a:solidFill>
+              </a:rPr>
+              <a:t>P </a:t>
+            </a:r>
+            <a:r>
+              <a:rPr lang="pt-BR" sz="2000" dirty="0" err="1" smtClean="0">
+                <a:solidFill>
+                  <a:srgbClr val="0070C0"/>
+                </a:solidFill>
+              </a:rPr>
+              <a:t>Bonkile</a:t>
+            </a:r>
+            <a:r>
+              <a:rPr lang="pt-BR" sz="2000" dirty="0" smtClean="0">
+                <a:solidFill>
+                  <a:srgbClr val="0070C0"/>
+                </a:solidFill>
+              </a:rPr>
+              <a:t>, </a:t>
+            </a:r>
+            <a:r>
+              <a:rPr lang="pt-BR" sz="2000" dirty="0" err="1" smtClean="0">
+                <a:solidFill>
+                  <a:srgbClr val="0070C0"/>
+                </a:solidFill>
+              </a:rPr>
+              <a:t>Ashish</a:t>
+            </a:r>
+            <a:r>
+              <a:rPr lang="pt-BR" sz="2000" dirty="0" smtClean="0">
+                <a:solidFill>
+                  <a:srgbClr val="0070C0"/>
+                </a:solidFill>
+              </a:rPr>
+              <a:t> </a:t>
+            </a:r>
+            <a:r>
+              <a:rPr lang="pt-BR" sz="2000" dirty="0" err="1" smtClean="0">
+                <a:solidFill>
+                  <a:srgbClr val="0070C0"/>
+                </a:solidFill>
+              </a:rPr>
+              <a:t>Awasthi</a:t>
+            </a:r>
+            <a:r>
+              <a:rPr lang="pt-BR" sz="2000" dirty="0" smtClean="0">
+                <a:solidFill>
+                  <a:srgbClr val="0070C0"/>
+                </a:solidFill>
+              </a:rPr>
+              <a:t>, </a:t>
+            </a:r>
+          </a:p>
+          <a:p>
+            <a:pPr marL="0" indent="0">
+              <a:buNone/>
+            </a:pPr>
+            <a:r>
+              <a:rPr lang="pt-BR" sz="2000" dirty="0" smtClean="0">
+                <a:solidFill>
+                  <a:srgbClr val="0070C0"/>
+                </a:solidFill>
+              </a:rPr>
+              <a:t>       C. </a:t>
+            </a:r>
+            <a:r>
+              <a:rPr lang="pt-BR" sz="2000" dirty="0" err="1" smtClean="0">
+                <a:solidFill>
+                  <a:srgbClr val="0070C0"/>
+                </a:solidFill>
+              </a:rPr>
+              <a:t>Lakshmi</a:t>
+            </a:r>
+            <a:r>
+              <a:rPr lang="pt-BR" sz="2000" dirty="0" smtClean="0">
+                <a:solidFill>
+                  <a:srgbClr val="0070C0"/>
+                </a:solidFill>
+              </a:rPr>
+              <a:t>, </a:t>
+            </a:r>
+            <a:r>
+              <a:rPr lang="pt-BR" sz="2000" dirty="0" err="1" smtClean="0">
+                <a:solidFill>
+                  <a:srgbClr val="0070C0"/>
+                </a:solidFill>
+              </a:rPr>
+              <a:t>Vijitha</a:t>
+            </a:r>
+            <a:r>
+              <a:rPr lang="pt-BR" sz="2000" dirty="0" smtClean="0">
+                <a:solidFill>
+                  <a:srgbClr val="0070C0"/>
+                </a:solidFill>
+              </a:rPr>
+              <a:t> </a:t>
+            </a:r>
+            <a:r>
+              <a:rPr lang="pt-BR" sz="2000" dirty="0" err="1" smtClean="0">
+                <a:solidFill>
+                  <a:srgbClr val="0070C0"/>
+                </a:solidFill>
+              </a:rPr>
+              <a:t>Mukundan,V</a:t>
+            </a:r>
+            <a:r>
+              <a:rPr lang="pt-BR" sz="2000" dirty="0" smtClean="0">
+                <a:solidFill>
+                  <a:srgbClr val="0070C0"/>
+                </a:solidFill>
+              </a:rPr>
+              <a:t>. S. </a:t>
+            </a:r>
+            <a:r>
+              <a:rPr lang="pt-BR" sz="2000" dirty="0" err="1" smtClean="0">
+                <a:solidFill>
+                  <a:srgbClr val="0070C0"/>
+                </a:solidFill>
+              </a:rPr>
+              <a:t>Aswin</a:t>
+            </a:r>
+            <a:endParaRPr lang="pt-BR" sz="2000" dirty="0" smtClean="0">
+              <a:solidFill>
+                <a:srgbClr val="0070C0"/>
+              </a:solidFill>
+            </a:endParaRPr>
+          </a:p>
+          <a:p>
+            <a:pPr marL="0" indent="0">
+              <a:buNone/>
+            </a:pPr>
+            <a:r>
+              <a:rPr lang="pt-BR" sz="2000" dirty="0" smtClean="0">
+                <a:solidFill>
+                  <a:srgbClr val="0070C0"/>
+                </a:solidFill>
+              </a:rPr>
+              <a:t>9) </a:t>
+            </a:r>
+            <a:r>
+              <a:rPr lang="en-US" sz="2000" dirty="0">
+                <a:solidFill>
+                  <a:srgbClr val="0070C0"/>
+                </a:solidFill>
+              </a:rPr>
+              <a:t>Numerical solution of one-dimensional Burgers </a:t>
+            </a:r>
+            <a:r>
+              <a:rPr lang="en-US" sz="2000" dirty="0" smtClean="0">
+                <a:solidFill>
+                  <a:srgbClr val="0070C0"/>
+                </a:solidFill>
+              </a:rPr>
+              <a:t>equation:</a:t>
+            </a:r>
+            <a:r>
+              <a:rPr lang="pt-BR" sz="2000" dirty="0" err="1" smtClean="0">
+                <a:solidFill>
+                  <a:srgbClr val="0070C0"/>
+                </a:solidFill>
+              </a:rPr>
+              <a:t>explicit</a:t>
+            </a:r>
+            <a:r>
+              <a:rPr lang="pt-BR" sz="2000" dirty="0" smtClean="0">
+                <a:solidFill>
+                  <a:srgbClr val="0070C0"/>
+                </a:solidFill>
+              </a:rPr>
+              <a:t> </a:t>
+            </a:r>
+            <a:r>
+              <a:rPr lang="pt-BR" sz="2000" dirty="0" err="1">
+                <a:solidFill>
+                  <a:srgbClr val="0070C0"/>
+                </a:solidFill>
+              </a:rPr>
+              <a:t>and</a:t>
+            </a:r>
+            <a:r>
+              <a:rPr lang="pt-BR" sz="2000" dirty="0">
+                <a:solidFill>
+                  <a:srgbClr val="0070C0"/>
+                </a:solidFill>
+              </a:rPr>
+              <a:t> </a:t>
+            </a:r>
+            <a:r>
+              <a:rPr lang="pt-BR" sz="2000" dirty="0" err="1">
+                <a:solidFill>
+                  <a:srgbClr val="0070C0"/>
+                </a:solidFill>
+              </a:rPr>
+              <a:t>exact-explicit</a:t>
+            </a:r>
+            <a:r>
+              <a:rPr lang="pt-BR" sz="2000" dirty="0">
+                <a:solidFill>
+                  <a:srgbClr val="0070C0"/>
+                </a:solidFill>
+              </a:rPr>
+              <a:t> </a:t>
+            </a:r>
+            <a:r>
+              <a:rPr lang="pt-BR" sz="2000" dirty="0" err="1">
+                <a:solidFill>
+                  <a:srgbClr val="0070C0"/>
+                </a:solidFill>
+              </a:rPr>
+              <a:t>finite</a:t>
+            </a:r>
+            <a:r>
+              <a:rPr lang="pt-BR" sz="2000" dirty="0">
+                <a:solidFill>
+                  <a:srgbClr val="0070C0"/>
+                </a:solidFill>
+              </a:rPr>
+              <a:t> </a:t>
+            </a:r>
+            <a:r>
+              <a:rPr lang="pt-BR" sz="2000" dirty="0" err="1">
+                <a:solidFill>
+                  <a:srgbClr val="0070C0"/>
+                </a:solidFill>
+              </a:rPr>
+              <a:t>difference</a:t>
+            </a:r>
+            <a:r>
+              <a:rPr lang="pt-BR" sz="2000" dirty="0">
+                <a:solidFill>
+                  <a:srgbClr val="0070C0"/>
+                </a:solidFill>
+              </a:rPr>
+              <a:t> </a:t>
+            </a:r>
+            <a:r>
+              <a:rPr lang="pt-BR" sz="2000" dirty="0" err="1">
+                <a:solidFill>
+                  <a:srgbClr val="0070C0"/>
+                </a:solidFill>
+              </a:rPr>
+              <a:t>methods</a:t>
+            </a:r>
+            <a:endParaRPr lang="pt-BR" sz="2000" dirty="0">
+              <a:solidFill>
+                <a:srgbClr val="0070C0"/>
+              </a:solidFill>
+            </a:endParaRPr>
+          </a:p>
+          <a:p>
+            <a:pPr marL="0" indent="0">
+              <a:buNone/>
+            </a:pPr>
+            <a:r>
+              <a:rPr lang="pt-BR" sz="2000" dirty="0" smtClean="0">
+                <a:solidFill>
+                  <a:srgbClr val="0070C0"/>
+                </a:solidFill>
+              </a:rPr>
+              <a:t>     S</a:t>
+            </a:r>
+            <a:r>
+              <a:rPr lang="pt-BR" sz="2000" dirty="0">
+                <a:solidFill>
+                  <a:srgbClr val="0070C0"/>
+                </a:solidFill>
+              </a:rPr>
+              <a:t>. </a:t>
+            </a:r>
+            <a:r>
+              <a:rPr lang="pt-BR" sz="2000" dirty="0" err="1" smtClean="0">
+                <a:solidFill>
+                  <a:srgbClr val="0070C0"/>
+                </a:solidFill>
+              </a:rPr>
+              <a:t>Kutluay</a:t>
+            </a:r>
+            <a:r>
+              <a:rPr lang="pt-BR" sz="2000" dirty="0" smtClean="0">
+                <a:solidFill>
+                  <a:srgbClr val="0070C0"/>
+                </a:solidFill>
+              </a:rPr>
+              <a:t> , </a:t>
+            </a:r>
+            <a:r>
+              <a:rPr lang="pt-BR" sz="2000" dirty="0">
+                <a:solidFill>
+                  <a:srgbClr val="0070C0"/>
+                </a:solidFill>
+              </a:rPr>
+              <a:t>A</a:t>
+            </a:r>
+            <a:r>
+              <a:rPr lang="pt-BR" sz="2000" dirty="0" smtClean="0">
+                <a:solidFill>
+                  <a:srgbClr val="0070C0"/>
+                </a:solidFill>
+              </a:rPr>
+              <a:t>. R</a:t>
+            </a:r>
+            <a:r>
+              <a:rPr lang="pt-BR" sz="2000" dirty="0">
+                <a:solidFill>
+                  <a:srgbClr val="0070C0"/>
+                </a:solidFill>
+              </a:rPr>
+              <a:t>. </a:t>
+            </a:r>
+            <a:r>
+              <a:rPr lang="pt-BR" sz="2000" dirty="0" err="1">
+                <a:solidFill>
+                  <a:srgbClr val="0070C0"/>
+                </a:solidFill>
+              </a:rPr>
+              <a:t>Bahadir</a:t>
+            </a:r>
+            <a:r>
+              <a:rPr lang="pt-BR" sz="2000" dirty="0">
+                <a:solidFill>
+                  <a:srgbClr val="0070C0"/>
+                </a:solidFill>
+              </a:rPr>
+              <a:t>, A. </a:t>
+            </a:r>
+            <a:r>
+              <a:rPr lang="pt-BR" sz="2000" dirty="0" err="1" smtClean="0">
+                <a:solidFill>
+                  <a:srgbClr val="0070C0"/>
+                </a:solidFill>
+              </a:rPr>
+              <a:t>Ozdes</a:t>
+            </a:r>
+            <a:endParaRPr lang="pt-BR" sz="2000" dirty="0">
+              <a:solidFill>
+                <a:srgbClr val="0070C0"/>
+              </a:solidFill>
+            </a:endParaRPr>
           </a:p>
         </p:txBody>
       </p:sp>
@@ -4311,7 +8088,7 @@
                   <a:srgbClr val="0070C0"/>
                 </a:solidFill>
               </a:rPr>
-              <a:t>Etapas</a:t>
+              <a:t>Resumo das etapas</a:t>
             </a:r>
             <a:endParaRPr lang="pt-BR" dirty="0">
               <a:solidFill>
@@ -4349,21 +8126,38 @@
                 </a:r>
               </a:p>
               <a:p>
+                <a:endParaRPr lang="pt-BR" dirty="0" smtClean="0"/>
+              </a:p>
+              <a:p>
                 <a:r>
                   <a:rPr lang="pt-BR" dirty="0" smtClean="0"/>
                   <a:t>2) Ajustar as diferenças finitas usando a condição inicial e as condições de fronteira</a:t>
                 </a:r>
               </a:p>
               <a:p>
-                <a:r>
-                  <a:rPr lang="pt-BR" dirty="0" smtClean="0"/>
-                  <a:t>3a) Resolver os sistema não linear gerado pelos passos 1) e 2) por meio do método de Newton (6 iterações do método de Newton).</a:t>
-                </a:r>
+                <a:endParaRPr lang="pt-BR" dirty="0" smtClean="0"/>
               </a:p>
               <a:p>
                 <a:r>
                   <a:rPr lang="pt-BR" dirty="0" smtClean="0"/>
-                  <a:t>3b) C/C++ não tem por padrão uma rotina que calcula a inversa de DF gerado no passo 3), resolvemos então o sistema </a:t>
+                  <a:t>3) Resolver os sistema não linear gerado pelos passos 1) e 2) por meio do método de Newton (6 iterações do método de Newton).</a:t>
+                </a:r>
+              </a:p>
+              <a:p>
+                <a:endParaRPr lang="pt-BR" dirty="0" smtClean="0"/>
+              </a:p>
+              <a:p>
+                <a:r>
+                  <a:rPr lang="pt-BR" dirty="0" smtClean="0"/>
+                  <a:t>4) C/C++ não tem por padrão uma rotina que calcula a inversa de DF = </a:t>
+                </a:r>
+                <a:r>
+                  <a:rPr lang="pt-BR" dirty="0" err="1" smtClean="0"/>
+                  <a:t>Jac</a:t>
+                </a:r>
+                <a:r>
+                  <a:rPr lang="pt-BR" dirty="0" smtClean="0"/>
+                  <a:t> F no método de Newton, resolvemos então o sistema </a:t>
                 </a:r>
                 <a14:m>
                   <m:oMath xmlns:m="http://schemas.openxmlformats.org/officeDocument/2006/math">
@@ -4374,202 +8168,66 @@
                       <m:t> </m:t>
                     </m:r>
                     <m:r>
-                      <a:rPr lang="pt-BR" b="0" i="1" smtClean="0">
+                      <m:rPr>
+                        <m:sty m:val="p"/>
+                      </m:rPr>
+                      <a:rPr lang="pt-BR" b="0" i="0" smtClean="0">
                         <a:latin typeface="Cambria Math" panose="02040503050406030204" pitchFamily="18" charset="0"/>
                       </a:rPr>
-                      <m:t>𝐹</m:t>
+                      <m:t>n</m:t>
                     </m:r>
                     <m:r>
-                      <a:rPr lang="pt-BR" b="0" i="1" smtClean="0">
+                      <a:rPr lang="pt-BR" b="0" i="0" smtClean="0">
                         <a:latin typeface="Cambria Math" panose="02040503050406030204" pitchFamily="18" charset="0"/>
                       </a:rPr>
-                      <m:t>=</m:t>
+                      <m:t>ã</m:t>
                     </m:r>
                     <m:r>
-                      <a:rPr lang="pt-BR" b="0" i="1" smtClean="0">
+                      <m:rPr>
+                        <m:sty m:val="p"/>
+                      </m:rPr>
+                      <a:rPr lang="pt-BR" b="0" i="0" smtClean="0">
                         <a:latin typeface="Cambria Math" panose="02040503050406030204" pitchFamily="18" charset="0"/>
                       </a:rPr>
-                      <m:t>𝐷𝐹</m:t>
+                      <m:t>o</m:t>
                     </m:r>
                     <m:r>
-                      <a:rPr lang="pt-BR" b="0" i="1" smtClean="0">
+                      <a:rPr lang="pt-BR" b="0" i="0" smtClean="0">
                         <a:latin typeface="Cambria Math" panose="02040503050406030204" pitchFamily="18" charset="0"/>
                       </a:rPr>
-                      <m:t>∗</m:t>
+                      <m:t> </m:t>
                     </m:r>
                     <m:r>
-                      <a:rPr lang="pt-BR" b="0" i="1" smtClean="0">
+                      <m:rPr>
+                        <m:sty m:val="p"/>
+                      </m:rPr>
+                      <a:rPr lang="pt-BR" b="0" i="0" smtClean="0">
                         <a:latin typeface="Cambria Math" panose="02040503050406030204" pitchFamily="18" charset="0"/>
                       </a:rPr>
-                      <m:t>𝑠</m:t>
+                      <m:t>linear</m:t>
                     </m:r>
                   </m:oMath>
                 </a14:m>
                 <a:r>
                   <a:rPr lang="pt-BR" dirty="0" smtClean="0"/>
-                  <a:t>     por meio de Jacobi com MPI  </a:t>
+                  <a:t>   por meio de  iterações de Jacobi   ( usando a rotina </a:t>
+                </a:r>
+                <a:r>
+                  <a:rPr lang="pt-BR" dirty="0" err="1" smtClean="0"/>
+                  <a:t>MPI_Bcast</a:t>
+                </a:r>
+                <a:r>
+                  <a:rPr lang="pt-BR" dirty="0" smtClean="0"/>
+                  <a:t>)  do MPI</a:t>
                 </a:r>
               </a:p>
               <a:p>
-                <a:r>
-                  <a:rPr lang="pt-BR" dirty="0" smtClean="0"/>
-                  <a:t>3b) Atualiza a aproximação de </a:t>
-                </a:r>
-                <a14:m>
-                  <m:oMath xmlns:m="http://schemas.openxmlformats.org/officeDocument/2006/math">
-                    <m:r>
-                      <a:rPr lang="pt-BR" b="0" i="1" smtClean="0">
-                        <a:latin typeface="Cambria Math" panose="02040503050406030204" pitchFamily="18" charset="0"/>
-                      </a:rPr>
-                      <m:t>𝑢</m:t>
-                    </m:r>
-                    <m:r>
-                      <a:rPr lang="pt-BR" b="0" i="1" smtClean="0">
-                        <a:latin typeface="Cambria Math" panose="02040503050406030204" pitchFamily="18" charset="0"/>
-                      </a:rPr>
-                      <m:t>;  </m:t>
-                    </m:r>
-                    <m:sSub>
-                      <m:sSubPr>
-                        <m:ctrlPr>
-                          <a:rPr lang="pt-BR" b="0" i="1" smtClean="0">
-                            <a:latin typeface="Cambria Math" panose="02040503050406030204" pitchFamily="18" charset="0"/>
-                          </a:rPr>
-                        </m:ctrlPr>
-                      </m:sSubPr>
-                      <m:e>
-                        <m:r>
-                          <a:rPr lang="pt-BR" b="0" i="1" smtClean="0">
-                            <a:latin typeface="Cambria Math" panose="02040503050406030204" pitchFamily="18" charset="0"/>
-                          </a:rPr>
-                          <m:t>𝑤</m:t>
-                        </m:r>
-                      </m:e>
-                      <m:sub>
-                        <m:r>
-                          <a:rPr lang="pt-BR" b="0" i="1" smtClean="0">
-                            <a:latin typeface="Cambria Math" panose="02040503050406030204" pitchFamily="18" charset="0"/>
-                          </a:rPr>
-                          <m:t>2</m:t>
-                        </m:r>
-                      </m:sub>
-                    </m:sSub>
-                    <m:r>
-                      <a:rPr lang="pt-BR" b="0" i="1" smtClean="0">
-                        <a:latin typeface="Cambria Math" panose="02040503050406030204" pitchFamily="18" charset="0"/>
-                      </a:rPr>
-                      <m:t>=</m:t>
-                    </m:r>
-                    <m:sSub>
-                      <m:sSubPr>
-                        <m:ctrlPr>
-                          <a:rPr lang="pt-BR" b="0" i="1" smtClean="0">
-                            <a:latin typeface="Cambria Math" panose="02040503050406030204" pitchFamily="18" charset="0"/>
-                          </a:rPr>
-                        </m:ctrlPr>
-                      </m:sSubPr>
-                      <m:e>
-                        <m:r>
-                          <a:rPr lang="pt-BR" b="0" i="1" smtClean="0">
-                            <a:latin typeface="Cambria Math" panose="02040503050406030204" pitchFamily="18" charset="0"/>
-                          </a:rPr>
-                          <m:t>𝑤</m:t>
-                        </m:r>
-                      </m:e>
-                      <m:sub>
-                        <m:r>
-                          <a:rPr lang="pt-BR" b="0" i="1" smtClean="0">
-                            <a:latin typeface="Cambria Math" panose="02040503050406030204" pitchFamily="18" charset="0"/>
-                          </a:rPr>
-                          <m:t>1</m:t>
-                        </m:r>
-                      </m:sub>
-                    </m:sSub>
-                    <m:r>
-                      <a:rPr lang="pt-BR" b="0" i="1" smtClean="0">
-                        <a:latin typeface="Cambria Math" panose="02040503050406030204" pitchFamily="18" charset="0"/>
-                      </a:rPr>
-                      <m:t>+</m:t>
-                    </m:r>
-                    <m:r>
-                      <a:rPr lang="pt-BR" b="0" i="1" smtClean="0">
-                        <a:latin typeface="Cambria Math" panose="02040503050406030204" pitchFamily="18" charset="0"/>
-                      </a:rPr>
-                      <m:t>𝑠</m:t>
-                    </m:r>
-                  </m:oMath>
-                </a14:m>
-                <a:r>
-                  <a:rPr lang="pt-BR" dirty="0" smtClean="0"/>
-                  <a:t>; </a:t>
-                </a:r>
-                <a14:m>
-                  <m:oMath xmlns:m="http://schemas.openxmlformats.org/officeDocument/2006/math">
-                    <m:r>
-                      <a:rPr lang="pt-BR" b="0" i="0" smtClean="0">
-                        <a:latin typeface="Cambria Math" panose="02040503050406030204" pitchFamily="18" charset="0"/>
-                      </a:rPr>
-                      <m:t>    </m:t>
-                    </m:r>
-                    <m:sSub>
-                      <m:sSubPr>
-                        <m:ctrlPr>
-                          <a:rPr lang="pt-BR" i="1">
-                            <a:latin typeface="Cambria Math" panose="02040503050406030204" pitchFamily="18" charset="0"/>
-                          </a:rPr>
-                        </m:ctrlPr>
-                      </m:sSubPr>
-                      <m:e>
-                        <m:r>
-                          <a:rPr lang="pt-BR" i="1">
-                            <a:latin typeface="Cambria Math" panose="02040503050406030204" pitchFamily="18" charset="0"/>
-                          </a:rPr>
-                          <m:t>𝑤</m:t>
-                        </m:r>
-                      </m:e>
-                      <m:sub>
-                        <m:r>
-                          <a:rPr lang="pt-BR" i="1">
-                            <a:latin typeface="Cambria Math" panose="02040503050406030204" pitchFamily="18" charset="0"/>
-                          </a:rPr>
-                          <m:t>1</m:t>
-                        </m:r>
-                      </m:sub>
-                    </m:sSub>
-                    <m:r>
-                      <a:rPr lang="pt-BR" i="1" smtClean="0">
-                        <a:latin typeface="Cambria Math" panose="02040503050406030204" pitchFamily="18" charset="0"/>
-                        <a:ea typeface="Cambria Math" panose="02040503050406030204" pitchFamily="18" charset="0"/>
-                      </a:rPr>
-                      <m:t>←</m:t>
-                    </m:r>
-                    <m:sSub>
-                      <m:sSubPr>
-                        <m:ctrlPr>
-                          <a:rPr lang="pt-BR" i="1" smtClean="0">
-                            <a:latin typeface="Cambria Math" panose="02040503050406030204" pitchFamily="18" charset="0"/>
-                          </a:rPr>
-                        </m:ctrlPr>
-                      </m:sSubPr>
-                      <m:e>
-                        <m:r>
-                          <a:rPr lang="pt-BR" i="1">
-                            <a:latin typeface="Cambria Math" panose="02040503050406030204" pitchFamily="18" charset="0"/>
-                          </a:rPr>
-                          <m:t>𝑤</m:t>
-                        </m:r>
-                      </m:e>
-                      <m:sub>
-                        <m:r>
-                          <a:rPr lang="pt-BR" i="1">
-                            <a:latin typeface="Cambria Math" panose="02040503050406030204" pitchFamily="18" charset="0"/>
-                          </a:rPr>
-                          <m:t>2</m:t>
-                        </m:r>
-                      </m:sub>
-                    </m:sSub>
-                  </m:oMath>
-                </a14:m>
+                <a:pPr marL="0" indent="0">
+                  <a:buNone/>
+                </a:pPr>
+                <a:endParaRPr lang="pt-BR" dirty="0" smtClean="0"/>
+              </a:p>
+              <a:p>
                 <a:endParaRPr lang="pt-BR" dirty="0"/>
               </a:p>
             </p:txBody>
@@ -4594,7 +8252,7 @@
               <a:blipFill>
                 <a:blip r:embed="rId2"/>
                 <a:stretch>
-                  <a:fillRect l="-900" t="-1704" r="-1600"/>
+                  <a:fillRect l="-900" t="-1704" r="-1450"/>
                 </a:stretch>
               </a:blipFill>
             </p:spPr>
@@ -5424,8 +9082,8 @@
           </a:p>
         </p:txBody>
       </p:sp>
-      <mc:AlternateContent xmlns:mc="http://schemas.openxmlformats.org/markup-compatibility/2006">
-        <mc:Choice xmlns:a14="http://schemas.microsoft.com/office/drawing/2010/main" Requires="a14">
+      <mc:AlternateContent xmlns:mc="http://schemas.openxmlformats.org/markup-compatibility/2006" xmlns:a14="http://schemas.microsoft.com/office/drawing/2010/main">
+        <mc:Choice Requires="a14">
           <p:sp>
             <p:nvSpPr>
               <p:cNvPr id="3" name="Content Placeholder 2"/>
@@ -5745,7 +9403,7 @@
                       <a:srgbClr val="0070C0"/>
                     </a:solidFill>
                   </a:rPr>
-                  <a:t>            (5-a)</a:t>
+                  <a:t>             (5-a)</a:t>
                 </a:r>
               </a:p>
               <a:p>
@@ -6600,15 +10258,7 @@
                       <a:srgbClr val="0070C0"/>
                     </a:solidFill>
                   </a:rPr>
-                  <a:t> seja próximo da </a:t>
-                </a:r>
-                <a:r>
-                  <a:rPr lang="pt-BR" dirty="0" smtClean="0">
-                    <a:solidFill>
-                      <a:srgbClr val="0070C0"/>
-                    </a:solidFill>
-                  </a:rPr>
-                  <a:t>solução exata.</a:t>
+                  <a:t> seja próximo da solução exata.</a:t>
                 </a:r>
                 <a:endParaRPr lang="pt-BR" dirty="0">
                   <a:solidFill>
@@ -6625,7 +10275,7 @@
             </p:txBody>
           </p:sp>
         </mc:Choice>
-        <mc:Fallback>
+        <mc:Fallback xmlns="">
           <p:sp>
             <p:nvSpPr>
               <p:cNvPr id="3" name="Content Placeholder 2"/>
@@ -6700,8 +10350,8 @@
           <a:chExt cx="0" cy="0"/>
         </a:xfrm>
       </p:grpSpPr>
-      <mc:AlternateContent xmlns:mc="http://schemas.openxmlformats.org/markup-compatibility/2006">
-        <mc:Choice xmlns:a14="http://schemas.microsoft.com/office/drawing/2010/main" Requires="a14">
+      <mc:AlternateContent xmlns:mc="http://schemas.openxmlformats.org/markup-compatibility/2006" xmlns:a14="http://schemas.microsoft.com/office/drawing/2010/main">
+        <mc:Choice Requires="a14">
           <p:sp>
             <p:nvSpPr>
               <p:cNvPr id="2" name="Title 1"/>
@@ -6746,7 +10396,7 @@
                       <a:srgbClr val="FFC000"/>
                     </a:solidFill>
                   </a:rPr>
-                  <a:t>Lembrando o método de Newton:      </a:t>
+                  <a:t>   Lembrando o método de Newton:     </a:t>
                 </a:r>
                 <a14:m>
                   <m:oMath xmlns:m="http://schemas.openxmlformats.org/officeDocument/2006/math">
@@ -6875,18 +10525,7 @@
                             <a:ea typeface="+mn-ea"/>
                             <a:cs typeface="+mn-cs"/>
                           </a:rPr>
-                          <m:t>)</m:t>
-                        </m:r>
-                        <m:r>
-                          <a:rPr lang="pt-BR" sz="3200" i="1">
-                            <a:solidFill>
-                              <a:srgbClr val="FFC000"/>
-                            </a:solidFill>
-                            <a:latin typeface="Cambria Math" panose="02040503050406030204" pitchFamily="18" charset="0"/>
-                            <a:ea typeface="+mn-ea"/>
-                            <a:cs typeface="+mn-cs"/>
-                          </a:rPr>
-                          <m:t>(</m:t>
+                          <m:t>)(</m:t>
                         </m:r>
                         <m:r>
                           <a:rPr lang="pt-BR" sz="3200" b="0" i="1" smtClean="0">
@@ -7082,7 +10721,7 @@
             </p:txBody>
           </p:sp>
         </mc:Choice>
-        <mc:Fallback>
+        <mc:Fallback xmlns="">
           <p:sp>
             <p:nvSpPr>
               <p:cNvPr id="2" name="Title 1"/>
@@ -7101,7 +10740,7 @@
               <a:blipFill>
                 <a:blip r:embed="rId2"/>
                 <a:stretch>
-                  <a:fillRect l="-1199"/>
+                  <a:fillRect/>
                 </a:stretch>
               </a:blipFill>
             </p:spPr>
@@ -7391,13 +11030,14 @@
           <a:bodyPr/>
           <a:lstStyle/>
           <a:p>
+            <a:pPr algn="ctr"/>
             <a:r>
               <a:rPr lang="pt-BR" dirty="0" smtClean="0">
                 <a:solidFill>
                   <a:srgbClr val="FFC000"/>
                 </a:solidFill>
               </a:rPr>
-              <a:t>Relembrando método de Jacobi</a:t>
+              <a:t>Lembrando método de Jacobi</a:t>
             </a:r>
             <a:endParaRPr lang="pt-BR" dirty="0">
               <a:solidFill>

--- a/Trabalho 2B Computacao Paralela.pptx
+++ b/Trabalho 2B Computacao Paralela.pptx
@@ -6006,8 +6006,8 @@
           </a:p>
         </p:txBody>
       </p:sp>
-      <mc:AlternateContent xmlns:mc="http://schemas.openxmlformats.org/markup-compatibility/2006" xmlns:a14="http://schemas.microsoft.com/office/drawing/2010/main">
-        <mc:Choice Requires="a14">
+      <mc:AlternateContent xmlns:mc="http://schemas.openxmlformats.org/markup-compatibility/2006">
+        <mc:Choice xmlns:a14="http://schemas.microsoft.com/office/drawing/2010/main" Requires="a14">
           <p:sp>
             <p:nvSpPr>
               <p:cNvPr id="3" name="Espaço Reservado para Conteúdo 2">
@@ -6119,7 +6119,15 @@
                 </a:r>
                 <a:r>
                   <a:rPr lang="pt-BR" sz="2400" dirty="0" smtClean="0"/>
-                  <a:t>) Foi usado uma malha pequena 101x101, log não houve diferença no tempo entre </a:t>
+                  <a:t>) Foi usado uma malha pequena 101x101, </a:t>
+                </a:r>
+                <a:r>
+                  <a:rPr lang="pt-BR" sz="2400" dirty="0" smtClean="0"/>
+                  <a:t>logo </a:t>
+                </a:r>
+                <a:r>
+                  <a:rPr lang="pt-BR" sz="2400" dirty="0" smtClean="0"/>
+                  <a:t>não houve diferença no tempo entre </a:t>
                 </a:r>
                 <a:r>
                   <a:rPr lang="pt-BR" sz="2400" dirty="0" err="1" smtClean="0"/>
@@ -6142,12 +6150,6 @@
                   <a:rPr lang="pt-BR" sz="2400" dirty="0"/>
                   <a:t> </a:t>
                 </a:r>
-                <a:endParaRPr lang="pt-BR" sz="2400" dirty="0" smtClean="0"/>
-              </a:p>
-              <a:p>
-                <a:pPr marL="0" indent="0">
-                  <a:buNone/>
-                </a:pPr>
                 <a:endParaRPr lang="pt-BR" sz="2400" dirty="0" smtClean="0"/>
               </a:p>
               <a:p>
@@ -6537,15 +6539,42 @@
                 <a:pPr marL="0" indent="0">
                   <a:buNone/>
                 </a:pPr>
-                <a:endParaRPr lang="pt-BR" sz="2400" dirty="0" smtClean="0"/>
-              </a:p>
-              <a:p>
-                <a:pPr marL="0" indent="0">
-                  <a:buNone/>
-                </a:pPr>
                 <a:r>
                   <a:rPr lang="pt-BR" sz="2400" dirty="0" smtClean="0"/>
-                  <a:t>7) No método de Jacobi foi feito 80 iterações para achar s no sistema</a:t>
+                  <a:t>7) </a:t>
+                </a:r>
+                <a:r>
+                  <a:rPr lang="pt-BR" sz="2400" dirty="0" smtClean="0"/>
+                  <a:t>Em cada iteração do método de Newton foi </a:t>
+                </a:r>
+                <a:r>
+                  <a:rPr lang="pt-BR" sz="2400" dirty="0" smtClean="0"/>
+                  <a:t>feito 80 iterações </a:t>
+                </a:r>
+                <a:r>
+                  <a:rPr lang="pt-BR" sz="2400" dirty="0" smtClean="0"/>
+                  <a:t>pelo método de Jacobi para </a:t>
+                </a:r>
+                <a:r>
+                  <a:rPr lang="pt-BR" sz="2400" dirty="0" smtClean="0"/>
+                  <a:t>achar </a:t>
+                </a:r>
+                <a14:m>
+                  <m:oMath xmlns:m="http://schemas.openxmlformats.org/officeDocument/2006/math">
+                    <m:r>
+                      <a:rPr lang="pt-BR" sz="2400" b="1" i="1">
+                        <a:solidFill>
+                          <a:srgbClr val="0070C0"/>
+                        </a:solidFill>
+                        <a:latin typeface="Cambria Math" panose="02040503050406030204" pitchFamily="18" charset="0"/>
+                      </a:rPr>
+                      <m:t>𝒔</m:t>
+                    </m:r>
+                  </m:oMath>
+                </a14:m>
+                <a:r>
+                  <a:rPr lang="pt-BR" sz="2400" dirty="0" smtClean="0"/>
+                  <a:t> no sistema</a:t>
                 </a:r>
                 <a14:m>
                   <m:oMath xmlns:m="http://schemas.openxmlformats.org/officeDocument/2006/math">
@@ -6726,12 +6755,39 @@
                 <a:endParaRPr lang="pt-BR" sz="2400" dirty="0" smtClean="0"/>
               </a:p>
               <a:p>
+                <a:pPr marL="0" indent="0">
+                  <a:buNone/>
+                </a:pPr>
+                <a:r>
+                  <a:rPr lang="pt-BR" sz="2400" dirty="0" smtClean="0"/>
+                  <a:t>8) No código em paralelo foi usado apenas </a:t>
+                </a:r>
+                <a:r>
+                  <a:rPr lang="pt-BR" sz="2400" dirty="0" err="1" smtClean="0"/>
+                  <a:t>MPI_Bcast</a:t>
+                </a:r>
+                <a:r>
+                  <a:rPr lang="pt-BR" sz="2400" dirty="0" smtClean="0"/>
+                  <a:t>, dentro da </a:t>
+                </a:r>
+                <a:r>
+                  <a:rPr lang="pt-BR" sz="2400" dirty="0" err="1" smtClean="0"/>
+                  <a:t>subrotina</a:t>
+                </a:r>
+                <a:r>
+                  <a:rPr lang="pt-BR" sz="2400" smtClean="0"/>
+                  <a:t>(procedimento) </a:t>
+                </a:r>
+                <a:r>
+                  <a:rPr lang="pt-BR" sz="2400" dirty="0" smtClean="0"/>
+                  <a:t>Jacobi </a:t>
+                </a:r>
                 <a:endParaRPr lang="pt-BR" sz="2400" dirty="0" smtClean="0"/>
               </a:p>
             </p:txBody>
           </p:sp>
         </mc:Choice>
-        <mc:Fallback xmlns="">
+        <mc:Fallback>
           <p:sp>
             <p:nvSpPr>
               <p:cNvPr id="3" name="Espaço Reservado para Conteúdo 2">
@@ -6913,7 +6969,7 @@
                 <a:hlinkClick r:id="rId2">
                   <a:extLst>
                     <a:ext uri="{A12FA001-AC4F-418D-AE19-62706E023703}">
-                      <ahyp:hlinkClr xmlns="" xmlns:ahyp="http://schemas.microsoft.com/office/drawing/2018/hyperlinkcolor" val="tx"/>
+                      <ahyp:hlinkClr xmlns:ahyp="http://schemas.microsoft.com/office/drawing/2018/hyperlinkcolor" xmlns="" val="tx"/>
                     </a:ext>
                   </a:extLst>
                 </a:hlinkClick>
@@ -6928,7 +6984,7 @@
                 <a:hlinkClick r:id="rId2">
                   <a:extLst>
                     <a:ext uri="{A12FA001-AC4F-418D-AE19-62706E023703}">
-                      <ahyp:hlinkClr xmlns="" xmlns:ahyp="http://schemas.microsoft.com/office/drawing/2018/hyperlinkcolor" val="tx"/>
+                      <ahyp:hlinkClr xmlns:ahyp="http://schemas.microsoft.com/office/drawing/2018/hyperlinkcolor" xmlns="" val="tx"/>
                     </a:ext>
                   </a:extLst>
                 </a:hlinkClick>
@@ -7003,25 +7059,7 @@
                 </a:solidFill>
                 <a:hlinkClick r:id="rId4"/>
               </a:rPr>
-              <a:t>https</a:t>
-            </a:r>
-            <a:r>
-              <a:rPr lang="pt-BR" sz="2000">
-                <a:solidFill>
-                  <a:srgbClr val="0070C0"/>
-                </a:solidFill>
-                <a:hlinkClick r:id="rId4"/>
-              </a:rPr>
-              <a:t>://https</a:t>
-            </a:r>
-            <a:r>
-              <a:rPr lang="pt-BR" sz="2000">
-                <a:solidFill>
-                  <a:srgbClr val="0070C0"/>
-                </a:solidFill>
-                <a:hlinkClick r:id="rId4"/>
-              </a:rPr>
-              <a:t>://</a:t>
+              <a:t>https://https://</a:t>
             </a:r>
             <a:r>
               <a:rPr lang="pt-BR" sz="2000" smtClean="0">
